--- a/ppt/WING_ 발표 PPT.pptx
+++ b/ppt/WING_ 발표 PPT.pptx
@@ -23,6 +23,10 @@
     <p:sldId id="268" r:id="rId20"/>
     <p:sldId id="269" r:id="rId21"/>
     <p:sldId id="270" r:id="rId22"/>
+    <p:sldId id="271" r:id="rId23"/>
+    <p:sldId id="272" r:id="rId24"/>
+    <p:sldId id="273" r:id="rId25"/>
+    <p:sldId id="274" r:id="rId26"/>
   </p:sldIdLst>
   <p:sldSz cx="24384000" cy="13716000"/>
   <p:notesSz cx="6858000" cy="9144000"/>
@@ -6898,7 +6902,11 @@
             <a:lvl1pPr>
               <a:defRPr i="1" spc="270" sz="9000">
                 <a:solidFill>
-                  <a:schemeClr val="accent6"/>
+                  <a:schemeClr val="accent5">
+                    <a:hueOff val="-33346"/>
+                    <a:satOff val="-1804"/>
+                    <a:lumOff val="23993"/>
+                  </a:schemeClr>
                 </a:solidFill>
               </a:defRPr>
             </a:lvl1pPr>
@@ -6989,42 +6997,17 @@
       </p:grpSpPr>
       <p:sp>
         <p:nvSpPr>
-          <p:cNvPr id="243" name="슬라이드 구분점 텍스트"/>
-          <p:cNvSpPr txBox="1"/>
-          <p:nvPr>
-            <p:ph type="body" idx="1"/>
-          </p:nvPr>
-        </p:nvSpPr>
-        <p:spPr>
-          <a:xfrm>
-            <a:off x="2082800" y="3238708"/>
-            <a:ext cx="20207127" cy="8746014"/>
-          </a:xfrm>
-          <a:prstGeom prst="rect">
-            <a:avLst/>
-          </a:prstGeom>
-        </p:spPr>
-        <p:txBody>
-          <a:bodyPr/>
-          <a:lstStyle/>
-          <a:p>
-            <a:pPr>
-              <a:buBlip>
-                <a:blip r:embed="rId2"/>
-              </a:buBlip>
-            </a:pPr>
-          </a:p>
-        </p:txBody>
-      </p:sp>
-      <p:sp>
-        <p:nvSpPr>
-          <p:cNvPr id="244" name="프로젝트 개요 - 데이터 모델링"/>
+          <p:cNvPr id="265" name="프로젝트 개요-유저플로우(로그인영역)"/>
           <p:cNvSpPr txBox="1"/>
           <p:nvPr>
             <p:ph type="title"/>
           </p:nvPr>
         </p:nvSpPr>
         <p:spPr>
+          <a:xfrm>
+            <a:off x="909145" y="1265981"/>
+            <a:ext cx="11412597" cy="1649711"/>
+          </a:xfrm>
           <a:prstGeom prst="rect">
             <a:avLst/>
           </a:prstGeom>
@@ -7033,19 +7016,48 @@
           <a:bodyPr/>
           <a:lstStyle/>
           <a:p>
-            <a:pPr defTabSz="578358">
-              <a:defRPr spc="267" sz="8910"/>
+            <a:pPr defTabSz="426466">
+              <a:defRPr spc="197" sz="6570"/>
             </a:pPr>
             <a:r>
-              <a:t>프로젝트 개요 </a:t>
-            </a:r>
-            <a:r>
-              <a:rPr spc="207" sz="6930"/>
-              <a:t>- 데이터 모델링</a:t>
-            </a:r>
-          </a:p>
-        </p:txBody>
-      </p:sp>
+              <a:t>프로젝트 개요-</a:t>
+            </a:r>
+            <a:r>
+              <a:rPr spc="153" sz="5110"/>
+              <a:t>유저플로우(로그인영역)</a:t>
+            </a:r>
+          </a:p>
+        </p:txBody>
+      </p:sp>
+      <p:pic>
+        <p:nvPicPr>
+          <p:cNvPr id="266" name="유저플로우-로그인.png" descr="유저플로우-로그인.png"/>
+          <p:cNvPicPr>
+            <a:picLocks noChangeAspect="1"/>
+          </p:cNvPicPr>
+          <p:nvPr/>
+        </p:nvPicPr>
+        <p:blipFill>
+          <a:blip r:embed="rId2">
+            <a:extLst/>
+          </a:blip>
+          <a:stretch>
+            <a:fillRect/>
+          </a:stretch>
+        </p:blipFill>
+        <p:spPr>
+          <a:xfrm>
+            <a:off x="577017" y="3191073"/>
+            <a:ext cx="23591821" cy="8899473"/>
+          </a:xfrm>
+          <a:prstGeom prst="rect">
+            <a:avLst/>
+          </a:prstGeom>
+          <a:ln w="12700">
+            <a:miter lim="400000"/>
+          </a:ln>
+        </p:spPr>
+      </p:pic>
     </p:spTree>
   </p:cSld>
   <p:clrMapOvr>
@@ -7072,44 +7084,48 @@
           <a:chExt cx="0" cy="0"/>
         </a:xfrm>
       </p:grpSpPr>
-      <p:sp>
-        <p:nvSpPr>
-          <p:cNvPr id="246" name="슬라이드 구분점 텍스트"/>
-          <p:cNvSpPr txBox="1"/>
-          <p:nvPr>
-            <p:ph type="body" idx="1"/>
-          </p:nvPr>
-        </p:nvSpPr>
-        <p:spPr>
-          <a:xfrm>
-            <a:off x="2082800" y="3238708"/>
-            <a:ext cx="20207127" cy="8746014"/>
+      <p:pic>
+        <p:nvPicPr>
+          <p:cNvPr id="268" name="유저플로우-관리자.png" descr="유저플로우-관리자.png"/>
+          <p:cNvPicPr>
+            <a:picLocks noChangeAspect="0"/>
+          </p:cNvPicPr>
+          <p:nvPr/>
+        </p:nvPicPr>
+        <p:blipFill>
+          <a:blip r:embed="rId2">
+            <a:extLst/>
+          </a:blip>
+          <a:stretch>
+            <a:fillRect/>
+          </a:stretch>
+        </p:blipFill>
+        <p:spPr>
+          <a:xfrm>
+            <a:off x="4842708" y="2604971"/>
+            <a:ext cx="16872708" cy="9810006"/>
           </a:xfrm>
           <a:prstGeom prst="rect">
             <a:avLst/>
           </a:prstGeom>
-        </p:spPr>
-        <p:txBody>
-          <a:bodyPr/>
-          <a:lstStyle/>
-          <a:p>
-            <a:pPr>
-              <a:buBlip>
-                <a:blip r:embed="rId2"/>
-              </a:buBlip>
-            </a:pPr>
-          </a:p>
-        </p:txBody>
-      </p:sp>
-      <p:sp>
-        <p:nvSpPr>
-          <p:cNvPr id="247" name="프로젝트 개요 - 개발 도구"/>
+          <a:ln w="12700">
+            <a:miter lim="400000"/>
+          </a:ln>
+        </p:spPr>
+      </p:pic>
+      <p:sp>
+        <p:nvSpPr>
+          <p:cNvPr id="269" name="프로젝트 개요-유저플로우(관리자영역)"/>
           <p:cNvSpPr txBox="1"/>
           <p:nvPr>
             <p:ph type="title"/>
           </p:nvPr>
         </p:nvSpPr>
         <p:spPr>
+          <a:xfrm>
+            <a:off x="909145" y="1265981"/>
+            <a:ext cx="11412597" cy="1649711"/>
+          </a:xfrm>
           <a:prstGeom prst="rect">
             <a:avLst/>
           </a:prstGeom>
@@ -7118,15 +7134,429 @@
           <a:bodyPr/>
           <a:lstStyle/>
           <a:p>
-            <a:pPr defTabSz="578358">
-              <a:defRPr spc="267" sz="8910"/>
+            <a:pPr defTabSz="426466">
+              <a:defRPr spc="197" sz="6570"/>
             </a:pPr>
             <a:r>
-              <a:t>프로젝트 개요 </a:t>
-            </a:r>
-            <a:r>
-              <a:rPr spc="207" sz="6930"/>
-              <a:t>- 개발 도구</a:t>
+              <a:t>프로젝트 개요-</a:t>
+            </a:r>
+            <a:r>
+              <a:rPr spc="153" sz="5110"/>
+              <a:t>유저플로우(관리자영역)</a:t>
+            </a:r>
+          </a:p>
+        </p:txBody>
+      </p:sp>
+      <p:sp>
+        <p:nvSpPr>
+          <p:cNvPr id="270" name="선"/>
+          <p:cNvSpPr/>
+          <p:nvPr/>
+        </p:nvSpPr>
+        <p:spPr>
+          <a:xfrm flipH="1">
+            <a:off x="4706514" y="6398895"/>
+            <a:ext cx="3182798" cy="1098806"/>
+          </a:xfrm>
+          <a:prstGeom prst="line">
+            <a:avLst/>
+          </a:prstGeom>
+          <a:ln w="76200">
+            <a:solidFill>
+              <a:srgbClr val="000000"/>
+            </a:solidFill>
+            <a:miter lim="400000"/>
+            <a:tailEnd type="arrow"/>
+          </a:ln>
+        </p:spPr>
+        <p:txBody>
+          <a:bodyPr lIns="50800" tIns="50800" rIns="50800" bIns="50800" anchor="ctr"/>
+          <a:lstStyle/>
+          <a:p>
+            <a:pPr/>
+          </a:p>
+        </p:txBody>
+      </p:sp>
+      <p:sp>
+        <p:nvSpPr>
+          <p:cNvPr id="271" name="선"/>
+          <p:cNvSpPr/>
+          <p:nvPr/>
+        </p:nvSpPr>
+        <p:spPr>
+          <a:xfrm flipV="1">
+            <a:off x="11549526" y="2146512"/>
+            <a:ext cx="3471701" cy="1564439"/>
+          </a:xfrm>
+          <a:prstGeom prst="line">
+            <a:avLst/>
+          </a:prstGeom>
+          <a:ln w="76200">
+            <a:solidFill>
+              <a:srgbClr val="000000"/>
+            </a:solidFill>
+            <a:miter lim="400000"/>
+            <a:tailEnd type="arrow"/>
+          </a:ln>
+        </p:spPr>
+        <p:txBody>
+          <a:bodyPr lIns="50800" tIns="50800" rIns="50800" bIns="50800" anchor="ctr"/>
+          <a:lstStyle/>
+          <a:p>
+            <a:pPr/>
+          </a:p>
+        </p:txBody>
+      </p:sp>
+      <p:sp>
+        <p:nvSpPr>
+          <p:cNvPr id="272" name="터미널"/>
+          <p:cNvSpPr/>
+          <p:nvPr/>
+        </p:nvSpPr>
+        <p:spPr>
+          <a:xfrm>
+            <a:off x="15710425" y="1167830"/>
+            <a:ext cx="2443210" cy="1221605"/>
+          </a:xfrm>
+          <a:custGeom>
+            <a:avLst/>
+            <a:gdLst/>
+            <a:ahLst/>
+            <a:cxnLst>
+              <a:cxn ang="0">
+                <a:pos x="wd2" y="hd2"/>
+              </a:cxn>
+              <a:cxn ang="5400000">
+                <a:pos x="wd2" y="hd2"/>
+              </a:cxn>
+              <a:cxn ang="10800000">
+                <a:pos x="wd2" y="hd2"/>
+              </a:cxn>
+              <a:cxn ang="16200000">
+                <a:pos x="wd2" y="hd2"/>
+              </a:cxn>
+            </a:cxnLst>
+            <a:rect l="0" t="0" r="r" b="b"/>
+            <a:pathLst>
+              <a:path w="21600" h="21600" fill="norm" stroke="1" extrusionOk="0">
+                <a:moveTo>
+                  <a:pt x="5400" y="0"/>
+                </a:moveTo>
+                <a:cubicBezTo>
+                  <a:pt x="2418" y="0"/>
+                  <a:pt x="0" y="4835"/>
+                  <a:pt x="0" y="10800"/>
+                </a:cubicBezTo>
+                <a:cubicBezTo>
+                  <a:pt x="0" y="16765"/>
+                  <a:pt x="2418" y="21600"/>
+                  <a:pt x="5400" y="21600"/>
+                </a:cubicBezTo>
+                <a:lnTo>
+                  <a:pt x="16200" y="21600"/>
+                </a:lnTo>
+                <a:cubicBezTo>
+                  <a:pt x="19182" y="21600"/>
+                  <a:pt x="21600" y="16765"/>
+                  <a:pt x="21600" y="10800"/>
+                </a:cubicBezTo>
+                <a:cubicBezTo>
+                  <a:pt x="21600" y="4835"/>
+                  <a:pt x="19182" y="0"/>
+                  <a:pt x="16200" y="0"/>
+                </a:cubicBezTo>
+                <a:lnTo>
+                  <a:pt x="5400" y="0"/>
+                </a:lnTo>
+                <a:close/>
+              </a:path>
+            </a:pathLst>
+          </a:custGeom>
+          <a:solidFill>
+            <a:srgbClr val="FFFFFF"/>
+          </a:solidFill>
+          <a:ln w="12700">
+            <a:miter lim="400000"/>
+          </a:ln>
+        </p:spPr>
+        <p:txBody>
+          <a:bodyPr lIns="50800" tIns="50800" rIns="50800" bIns="50800" anchor="ctr"/>
+          <a:lstStyle/>
+          <a:p>
+            <a:pPr algn="ctr" defTabSz="825500">
+              <a:lnSpc>
+                <a:spcPct val="100000"/>
+              </a:lnSpc>
+              <a:spcBef>
+                <a:spcPts val="0"/>
+              </a:spcBef>
+              <a:defRPr b="0" spc="0" sz="3200">
+                <a:solidFill>
+                  <a:srgbClr val="000000"/>
+                </a:solidFill>
+                <a:latin typeface="Avenir Next Medium"/>
+                <a:ea typeface="Avenir Next Medium"/>
+                <a:cs typeface="Avenir Next Medium"/>
+                <a:sym typeface="Avenir Next Medium"/>
+              </a:defRPr>
+            </a:pPr>
+          </a:p>
+        </p:txBody>
+      </p:sp>
+      <p:sp>
+        <p:nvSpPr>
+          <p:cNvPr id="273" name="선"/>
+          <p:cNvSpPr/>
+          <p:nvPr/>
+        </p:nvSpPr>
+        <p:spPr>
+          <a:xfrm flipV="1">
+            <a:off x="14785661" y="2616130"/>
+            <a:ext cx="1183506" cy="1183506"/>
+          </a:xfrm>
+          <a:prstGeom prst="line">
+            <a:avLst/>
+          </a:prstGeom>
+          <a:ln w="76200">
+            <a:solidFill>
+              <a:srgbClr val="000000"/>
+            </a:solidFill>
+            <a:miter lim="400000"/>
+            <a:tailEnd type="arrow"/>
+          </a:ln>
+        </p:spPr>
+        <p:txBody>
+          <a:bodyPr lIns="50800" tIns="50800" rIns="50800" bIns="50800" anchor="ctr"/>
+          <a:lstStyle/>
+          <a:p>
+            <a:pPr/>
+          </a:p>
+        </p:txBody>
+      </p:sp>
+      <p:sp>
+        <p:nvSpPr>
+          <p:cNvPr id="274" name="선"/>
+          <p:cNvSpPr/>
+          <p:nvPr/>
+        </p:nvSpPr>
+        <p:spPr>
+          <a:xfrm flipV="1">
+            <a:off x="17158279" y="2697593"/>
+            <a:ext cx="1" cy="1649712"/>
+          </a:xfrm>
+          <a:prstGeom prst="line">
+            <a:avLst/>
+          </a:prstGeom>
+          <a:ln w="76200">
+            <a:solidFill>
+              <a:srgbClr val="000000"/>
+            </a:solidFill>
+            <a:miter lim="400000"/>
+            <a:tailEnd type="arrow"/>
+          </a:ln>
+        </p:spPr>
+        <p:txBody>
+          <a:bodyPr lIns="50800" tIns="50800" rIns="50800" bIns="50800" anchor="ctr"/>
+          <a:lstStyle/>
+          <a:p>
+            <a:pPr/>
+          </a:p>
+        </p:txBody>
+      </p:sp>
+      <p:sp>
+        <p:nvSpPr>
+          <p:cNvPr id="275" name="Page"/>
+          <p:cNvSpPr txBox="1"/>
+          <p:nvPr/>
+        </p:nvSpPr>
+        <p:spPr>
+          <a:xfrm>
+            <a:off x="16096053" y="1296032"/>
+            <a:ext cx="1671956" cy="965201"/>
+          </a:xfrm>
+          <a:prstGeom prst="rect">
+            <a:avLst/>
+          </a:prstGeom>
+          <a:ln w="12700">
+            <a:miter lim="400000"/>
+          </a:ln>
+          <a:extLst>
+            <a:ext uri="{C572A759-6A51-4108-AA02-DFA0A04FC94B}">
+              <ma14:wrappingTextBoxFlag xmlns:ma14="http://schemas.microsoft.com/office/mac/drawingml/2011/main" val="1"/>
+            </a:ext>
+          </a:extLst>
+        </p:spPr>
+        <p:txBody>
+          <a:bodyPr wrap="none" lIns="50800" tIns="50800" rIns="50800" bIns="50800" anchor="ctr">
+            <a:spAutoFit/>
+          </a:bodyPr>
+          <a:lstStyle/>
+          <a:p>
+            <a:pPr/>
+            <a:r>
+              <a:t>Page</a:t>
+            </a:r>
+          </a:p>
+        </p:txBody>
+      </p:sp>
+      <p:sp>
+        <p:nvSpPr>
+          <p:cNvPr id="276" name="선"/>
+          <p:cNvSpPr/>
+          <p:nvPr/>
+        </p:nvSpPr>
+        <p:spPr>
+          <a:xfrm flipH="1" flipV="1">
+            <a:off x="18087644" y="2568014"/>
+            <a:ext cx="1867276" cy="6826898"/>
+          </a:xfrm>
+          <a:prstGeom prst="line">
+            <a:avLst/>
+          </a:prstGeom>
+          <a:ln w="76200">
+            <a:solidFill>
+              <a:srgbClr val="000000"/>
+            </a:solidFill>
+            <a:miter lim="400000"/>
+            <a:tailEnd type="arrow"/>
+          </a:ln>
+        </p:spPr>
+        <p:txBody>
+          <a:bodyPr lIns="50800" tIns="50800" rIns="50800" bIns="50800" anchor="ctr"/>
+          <a:lstStyle/>
+          <a:p>
+            <a:pPr/>
+          </a:p>
+        </p:txBody>
+      </p:sp>
+      <p:sp>
+        <p:nvSpPr>
+          <p:cNvPr id="277" name="터미널"/>
+          <p:cNvSpPr/>
+          <p:nvPr/>
+        </p:nvSpPr>
+        <p:spPr>
+          <a:xfrm>
+            <a:off x="1793780" y="6899171"/>
+            <a:ext cx="2443210" cy="1221606"/>
+          </a:xfrm>
+          <a:custGeom>
+            <a:avLst/>
+            <a:gdLst/>
+            <a:ahLst/>
+            <a:cxnLst>
+              <a:cxn ang="0">
+                <a:pos x="wd2" y="hd2"/>
+              </a:cxn>
+              <a:cxn ang="5400000">
+                <a:pos x="wd2" y="hd2"/>
+              </a:cxn>
+              <a:cxn ang="10800000">
+                <a:pos x="wd2" y="hd2"/>
+              </a:cxn>
+              <a:cxn ang="16200000">
+                <a:pos x="wd2" y="hd2"/>
+              </a:cxn>
+            </a:cxnLst>
+            <a:rect l="0" t="0" r="r" b="b"/>
+            <a:pathLst>
+              <a:path w="21600" h="21600" fill="norm" stroke="1" extrusionOk="0">
+                <a:moveTo>
+                  <a:pt x="5400" y="0"/>
+                </a:moveTo>
+                <a:cubicBezTo>
+                  <a:pt x="2418" y="0"/>
+                  <a:pt x="0" y="4835"/>
+                  <a:pt x="0" y="10800"/>
+                </a:cubicBezTo>
+                <a:cubicBezTo>
+                  <a:pt x="0" y="16765"/>
+                  <a:pt x="2418" y="21600"/>
+                  <a:pt x="5400" y="21600"/>
+                </a:cubicBezTo>
+                <a:lnTo>
+                  <a:pt x="16200" y="21600"/>
+                </a:lnTo>
+                <a:cubicBezTo>
+                  <a:pt x="19182" y="21600"/>
+                  <a:pt x="21600" y="16765"/>
+                  <a:pt x="21600" y="10800"/>
+                </a:cubicBezTo>
+                <a:cubicBezTo>
+                  <a:pt x="21600" y="4835"/>
+                  <a:pt x="19182" y="0"/>
+                  <a:pt x="16200" y="0"/>
+                </a:cubicBezTo>
+                <a:lnTo>
+                  <a:pt x="5400" y="0"/>
+                </a:lnTo>
+                <a:close/>
+              </a:path>
+            </a:pathLst>
+          </a:custGeom>
+          <a:solidFill>
+            <a:srgbClr val="FFFFFF"/>
+          </a:solidFill>
+          <a:ln w="12700">
+            <a:miter lim="400000"/>
+          </a:ln>
+        </p:spPr>
+        <p:txBody>
+          <a:bodyPr lIns="50800" tIns="50800" rIns="50800" bIns="50800" anchor="ctr"/>
+          <a:lstStyle/>
+          <a:p>
+            <a:pPr algn="ctr" defTabSz="825500">
+              <a:lnSpc>
+                <a:spcPct val="100000"/>
+              </a:lnSpc>
+              <a:spcBef>
+                <a:spcPts val="0"/>
+              </a:spcBef>
+              <a:defRPr b="0" spc="0" sz="3200">
+                <a:solidFill>
+                  <a:srgbClr val="000000"/>
+                </a:solidFill>
+                <a:latin typeface="Avenir Next Medium"/>
+                <a:ea typeface="Avenir Next Medium"/>
+                <a:cs typeface="Avenir Next Medium"/>
+                <a:sym typeface="Avenir Next Medium"/>
+              </a:defRPr>
+            </a:pPr>
+          </a:p>
+        </p:txBody>
+      </p:sp>
+      <p:sp>
+        <p:nvSpPr>
+          <p:cNvPr id="278" name="Nav"/>
+          <p:cNvSpPr txBox="1"/>
+          <p:nvPr/>
+        </p:nvSpPr>
+        <p:spPr>
+          <a:xfrm>
+            <a:off x="2338157" y="7027374"/>
+            <a:ext cx="1354456" cy="965201"/>
+          </a:xfrm>
+          <a:prstGeom prst="rect">
+            <a:avLst/>
+          </a:prstGeom>
+          <a:ln w="12700">
+            <a:miter lim="400000"/>
+          </a:ln>
+          <a:extLst>
+            <a:ext uri="{C572A759-6A51-4108-AA02-DFA0A04FC94B}">
+              <ma14:wrappingTextBoxFlag xmlns:ma14="http://schemas.microsoft.com/office/mac/drawingml/2011/main" val="1"/>
+            </a:ext>
+          </a:extLst>
+        </p:spPr>
+        <p:txBody>
+          <a:bodyPr wrap="none" lIns="50800" tIns="50800" rIns="50800" bIns="50800" anchor="ctr">
+            <a:spAutoFit/>
+          </a:bodyPr>
+          <a:lstStyle/>
+          <a:p>
+            <a:pPr/>
+            <a:r>
+              <a:t>Nav</a:t>
             </a:r>
           </a:p>
         </p:txBody>
@@ -7159,58 +7589,478 @@
       </p:grpSpPr>
       <p:sp>
         <p:nvSpPr>
-          <p:cNvPr id="249" name="슬라이드 구분점 텍스트"/>
-          <p:cNvSpPr txBox="1"/>
-          <p:nvPr>
-            <p:ph type="body" idx="1"/>
-          </p:nvPr>
-        </p:nvSpPr>
-        <p:spPr>
-          <a:xfrm>
-            <a:off x="2082800" y="3238708"/>
-            <a:ext cx="20207127" cy="8746014"/>
-          </a:xfrm>
-          <a:prstGeom prst="rect">
-            <a:avLst/>
-          </a:prstGeom>
-        </p:spPr>
-        <p:txBody>
-          <a:bodyPr/>
-          <a:lstStyle/>
-          <a:p>
-            <a:pPr>
-              <a:buBlip>
-                <a:blip r:embed="rId2"/>
-              </a:buBlip>
-            </a:pPr>
-          </a:p>
-        </p:txBody>
-      </p:sp>
-      <p:sp>
-        <p:nvSpPr>
-          <p:cNvPr id="250" name="프로젝트 수행 절차"/>
+          <p:cNvPr id="280" name="프로젝트 개요-유저플로우(회원영역)"/>
           <p:cNvSpPr txBox="1"/>
           <p:nvPr>
             <p:ph type="title"/>
           </p:nvPr>
         </p:nvSpPr>
         <p:spPr>
+          <a:xfrm>
+            <a:off x="909145" y="1265981"/>
+            <a:ext cx="11412597" cy="1649711"/>
+          </a:xfrm>
           <a:prstGeom prst="rect">
             <a:avLst/>
           </a:prstGeom>
         </p:spPr>
         <p:txBody>
           <a:bodyPr/>
-          <a:lstStyle>
-            <a:lvl1pPr defTabSz="578358">
-              <a:defRPr spc="267" sz="8910"/>
-            </a:lvl1pPr>
-          </a:lstStyle>
+          <a:lstStyle/>
+          <a:p>
+            <a:pPr defTabSz="449833">
+              <a:defRPr spc="207" sz="6929"/>
+            </a:pPr>
+            <a:r>
+              <a:t>프로젝트 개요-</a:t>
+            </a:r>
+            <a:r>
+              <a:rPr spc="161" sz="5390"/>
+              <a:t>유저플로우(회원영역)</a:t>
+            </a:r>
+          </a:p>
+        </p:txBody>
+      </p:sp>
+      <p:pic>
+        <p:nvPicPr>
+          <p:cNvPr id="281" name="유저플로우-회원.png" descr="유저플로우-회원.png"/>
+          <p:cNvPicPr>
+            <a:picLocks noChangeAspect="0"/>
+          </p:cNvPicPr>
+          <p:nvPr/>
+        </p:nvPicPr>
+        <p:blipFill>
+          <a:blip r:embed="rId2">
+            <a:extLst/>
+          </a:blip>
+          <a:stretch>
+            <a:fillRect/>
+          </a:stretch>
+        </p:blipFill>
+        <p:spPr>
+          <a:xfrm>
+            <a:off x="4540910" y="2772807"/>
+            <a:ext cx="14622932" cy="9734502"/>
+          </a:xfrm>
+          <a:prstGeom prst="rect">
+            <a:avLst/>
+          </a:prstGeom>
+          <a:ln w="12700">
+            <a:miter lim="400000"/>
+          </a:ln>
+        </p:spPr>
+      </p:pic>
+      <p:sp>
+        <p:nvSpPr>
+          <p:cNvPr id="282" name="터미널"/>
+          <p:cNvSpPr/>
+          <p:nvPr/>
+        </p:nvSpPr>
+        <p:spPr>
+          <a:xfrm>
+            <a:off x="14779342" y="1270901"/>
+            <a:ext cx="2443211" cy="1221606"/>
+          </a:xfrm>
+          <a:custGeom>
+            <a:avLst/>
+            <a:gdLst/>
+            <a:ahLst/>
+            <a:cxnLst>
+              <a:cxn ang="0">
+                <a:pos x="wd2" y="hd2"/>
+              </a:cxn>
+              <a:cxn ang="5400000">
+                <a:pos x="wd2" y="hd2"/>
+              </a:cxn>
+              <a:cxn ang="10800000">
+                <a:pos x="wd2" y="hd2"/>
+              </a:cxn>
+              <a:cxn ang="16200000">
+                <a:pos x="wd2" y="hd2"/>
+              </a:cxn>
+            </a:cxnLst>
+            <a:rect l="0" t="0" r="r" b="b"/>
+            <a:pathLst>
+              <a:path w="21600" h="21600" fill="norm" stroke="1" extrusionOk="0">
+                <a:moveTo>
+                  <a:pt x="5400" y="0"/>
+                </a:moveTo>
+                <a:cubicBezTo>
+                  <a:pt x="2418" y="0"/>
+                  <a:pt x="0" y="4835"/>
+                  <a:pt x="0" y="10800"/>
+                </a:cubicBezTo>
+                <a:cubicBezTo>
+                  <a:pt x="0" y="16765"/>
+                  <a:pt x="2418" y="21600"/>
+                  <a:pt x="5400" y="21600"/>
+                </a:cubicBezTo>
+                <a:lnTo>
+                  <a:pt x="16200" y="21600"/>
+                </a:lnTo>
+                <a:cubicBezTo>
+                  <a:pt x="19182" y="21600"/>
+                  <a:pt x="21600" y="16765"/>
+                  <a:pt x="21600" y="10800"/>
+                </a:cubicBezTo>
+                <a:cubicBezTo>
+                  <a:pt x="21600" y="4835"/>
+                  <a:pt x="19182" y="0"/>
+                  <a:pt x="16200" y="0"/>
+                </a:cubicBezTo>
+                <a:lnTo>
+                  <a:pt x="5400" y="0"/>
+                </a:lnTo>
+                <a:close/>
+              </a:path>
+            </a:pathLst>
+          </a:custGeom>
+          <a:solidFill>
+            <a:srgbClr val="FFFFFF"/>
+          </a:solidFill>
+          <a:ln w="12700">
+            <a:miter lim="400000"/>
+          </a:ln>
+        </p:spPr>
+        <p:txBody>
+          <a:bodyPr lIns="50800" tIns="50800" rIns="50800" bIns="50800" anchor="ctr"/>
+          <a:lstStyle/>
+          <a:p>
+            <a:pPr algn="ctr" defTabSz="825500">
+              <a:lnSpc>
+                <a:spcPct val="100000"/>
+              </a:lnSpc>
+              <a:spcBef>
+                <a:spcPts val="0"/>
+              </a:spcBef>
+              <a:defRPr b="0" spc="0" sz="3200">
+                <a:solidFill>
+                  <a:srgbClr val="000000"/>
+                </a:solidFill>
+                <a:latin typeface="Avenir Next Medium"/>
+                <a:ea typeface="Avenir Next Medium"/>
+                <a:cs typeface="Avenir Next Medium"/>
+                <a:sym typeface="Avenir Next Medium"/>
+              </a:defRPr>
+            </a:pPr>
+          </a:p>
+        </p:txBody>
+      </p:sp>
+      <p:sp>
+        <p:nvSpPr>
+          <p:cNvPr id="283" name="Nav"/>
+          <p:cNvSpPr txBox="1"/>
+          <p:nvPr/>
+        </p:nvSpPr>
+        <p:spPr>
+          <a:xfrm>
+            <a:off x="15323720" y="1399103"/>
+            <a:ext cx="1354456" cy="965201"/>
+          </a:xfrm>
+          <a:prstGeom prst="rect">
+            <a:avLst/>
+          </a:prstGeom>
+          <a:ln w="12700">
+            <a:miter lim="400000"/>
+          </a:ln>
+          <a:extLst>
+            <a:ext uri="{C572A759-6A51-4108-AA02-DFA0A04FC94B}">
+              <ma14:wrappingTextBoxFlag xmlns:ma14="http://schemas.microsoft.com/office/mac/drawingml/2011/main" val="1"/>
+            </a:ext>
+          </a:extLst>
+        </p:spPr>
+        <p:txBody>
+          <a:bodyPr wrap="none" lIns="50800" tIns="50800" rIns="50800" bIns="50800" anchor="ctr">
+            <a:spAutoFit/>
+          </a:bodyPr>
+          <a:lstStyle/>
           <a:p>
             <a:pPr/>
             <a:r>
-              <a:t>프로젝트 수행 절차</a:t>
-            </a:r>
+              <a:t>Nav</a:t>
+            </a:r>
+          </a:p>
+        </p:txBody>
+      </p:sp>
+      <p:sp>
+        <p:nvSpPr>
+          <p:cNvPr id="284" name="선"/>
+          <p:cNvSpPr/>
+          <p:nvPr/>
+        </p:nvSpPr>
+        <p:spPr>
+          <a:xfrm flipV="1">
+            <a:off x="16000948" y="2553309"/>
+            <a:ext cx="1" cy="1221606"/>
+          </a:xfrm>
+          <a:prstGeom prst="line">
+            <a:avLst/>
+          </a:prstGeom>
+          <a:ln w="76200">
+            <a:solidFill>
+              <a:srgbClr val="000000"/>
+            </a:solidFill>
+            <a:miter lim="400000"/>
+            <a:tailEnd type="arrow"/>
+          </a:ln>
+        </p:spPr>
+        <p:txBody>
+          <a:bodyPr lIns="50800" tIns="50800" rIns="50800" bIns="50800" anchor="ctr"/>
+          <a:lstStyle/>
+          <a:p>
+            <a:pPr/>
+          </a:p>
+        </p:txBody>
+      </p:sp>
+      <p:sp>
+        <p:nvSpPr>
+          <p:cNvPr id="285" name="터미널"/>
+          <p:cNvSpPr/>
+          <p:nvPr/>
+        </p:nvSpPr>
+        <p:spPr>
+          <a:xfrm>
+            <a:off x="1426307" y="4702788"/>
+            <a:ext cx="2443210" cy="1221606"/>
+          </a:xfrm>
+          <a:custGeom>
+            <a:avLst/>
+            <a:gdLst/>
+            <a:ahLst/>
+            <a:cxnLst>
+              <a:cxn ang="0">
+                <a:pos x="wd2" y="hd2"/>
+              </a:cxn>
+              <a:cxn ang="5400000">
+                <a:pos x="wd2" y="hd2"/>
+              </a:cxn>
+              <a:cxn ang="10800000">
+                <a:pos x="wd2" y="hd2"/>
+              </a:cxn>
+              <a:cxn ang="16200000">
+                <a:pos x="wd2" y="hd2"/>
+              </a:cxn>
+            </a:cxnLst>
+            <a:rect l="0" t="0" r="r" b="b"/>
+            <a:pathLst>
+              <a:path w="21600" h="21600" fill="norm" stroke="1" extrusionOk="0">
+                <a:moveTo>
+                  <a:pt x="5400" y="0"/>
+                </a:moveTo>
+                <a:cubicBezTo>
+                  <a:pt x="2418" y="0"/>
+                  <a:pt x="0" y="4835"/>
+                  <a:pt x="0" y="10800"/>
+                </a:cubicBezTo>
+                <a:cubicBezTo>
+                  <a:pt x="0" y="16765"/>
+                  <a:pt x="2418" y="21600"/>
+                  <a:pt x="5400" y="21600"/>
+                </a:cubicBezTo>
+                <a:lnTo>
+                  <a:pt x="16200" y="21600"/>
+                </a:lnTo>
+                <a:cubicBezTo>
+                  <a:pt x="19182" y="21600"/>
+                  <a:pt x="21600" y="16765"/>
+                  <a:pt x="21600" y="10800"/>
+                </a:cubicBezTo>
+                <a:cubicBezTo>
+                  <a:pt x="21600" y="4835"/>
+                  <a:pt x="19182" y="0"/>
+                  <a:pt x="16200" y="0"/>
+                </a:cubicBezTo>
+                <a:lnTo>
+                  <a:pt x="5400" y="0"/>
+                </a:lnTo>
+                <a:close/>
+              </a:path>
+            </a:pathLst>
+          </a:custGeom>
+          <a:solidFill>
+            <a:srgbClr val="FFFFFF"/>
+          </a:solidFill>
+          <a:ln w="12700">
+            <a:miter lim="400000"/>
+          </a:ln>
+        </p:spPr>
+        <p:txBody>
+          <a:bodyPr lIns="50800" tIns="50800" rIns="50800" bIns="50800" anchor="ctr"/>
+          <a:lstStyle/>
+          <a:p>
+            <a:pPr algn="ctr" defTabSz="825500">
+              <a:lnSpc>
+                <a:spcPct val="100000"/>
+              </a:lnSpc>
+              <a:spcBef>
+                <a:spcPts val="0"/>
+              </a:spcBef>
+              <a:defRPr b="0" spc="0" sz="3200">
+                <a:solidFill>
+                  <a:srgbClr val="000000"/>
+                </a:solidFill>
+                <a:latin typeface="Avenir Next Medium"/>
+                <a:ea typeface="Avenir Next Medium"/>
+                <a:cs typeface="Avenir Next Medium"/>
+                <a:sym typeface="Avenir Next Medium"/>
+              </a:defRPr>
+            </a:pPr>
+          </a:p>
+        </p:txBody>
+      </p:sp>
+      <p:sp>
+        <p:nvSpPr>
+          <p:cNvPr id="286" name="Page"/>
+          <p:cNvSpPr txBox="1"/>
+          <p:nvPr/>
+        </p:nvSpPr>
+        <p:spPr>
+          <a:xfrm>
+            <a:off x="1811934" y="4830991"/>
+            <a:ext cx="1671956" cy="965201"/>
+          </a:xfrm>
+          <a:prstGeom prst="rect">
+            <a:avLst/>
+          </a:prstGeom>
+          <a:ln w="12700">
+            <a:miter lim="400000"/>
+          </a:ln>
+          <a:extLst>
+            <a:ext uri="{C572A759-6A51-4108-AA02-DFA0A04FC94B}">
+              <ma14:wrappingTextBoxFlag xmlns:ma14="http://schemas.microsoft.com/office/mac/drawingml/2011/main" val="1"/>
+            </a:ext>
+          </a:extLst>
+        </p:spPr>
+        <p:txBody>
+          <a:bodyPr wrap="none" lIns="50800" tIns="50800" rIns="50800" bIns="50800" anchor="ctr">
+            <a:spAutoFit/>
+          </a:bodyPr>
+          <a:lstStyle/>
+          <a:p>
+            <a:pPr/>
+            <a:r>
+              <a:t>Page</a:t>
+            </a:r>
+          </a:p>
+        </p:txBody>
+      </p:sp>
+      <p:sp>
+        <p:nvSpPr>
+          <p:cNvPr id="287" name="선"/>
+          <p:cNvSpPr/>
+          <p:nvPr/>
+        </p:nvSpPr>
+        <p:spPr>
+          <a:xfrm flipH="1" flipV="1">
+            <a:off x="5006823" y="4827736"/>
+            <a:ext cx="8220885" cy="1"/>
+          </a:xfrm>
+          <a:prstGeom prst="line">
+            <a:avLst/>
+          </a:prstGeom>
+          <a:ln w="76200">
+            <a:solidFill>
+              <a:srgbClr val="000000"/>
+            </a:solidFill>
+            <a:miter lim="400000"/>
+            <a:tailEnd type="arrow"/>
+          </a:ln>
+        </p:spPr>
+        <p:txBody>
+          <a:bodyPr lIns="50800" tIns="50800" rIns="50800" bIns="50800" anchor="ctr"/>
+          <a:lstStyle/>
+          <a:p>
+            <a:pPr/>
+          </a:p>
+        </p:txBody>
+      </p:sp>
+      <p:sp>
+        <p:nvSpPr>
+          <p:cNvPr id="288" name="선"/>
+          <p:cNvSpPr/>
+          <p:nvPr/>
+        </p:nvSpPr>
+        <p:spPr>
+          <a:xfrm flipH="1" flipV="1">
+            <a:off x="4869661" y="5727823"/>
+            <a:ext cx="5895356" cy="780903"/>
+          </a:xfrm>
+          <a:prstGeom prst="line">
+            <a:avLst/>
+          </a:prstGeom>
+          <a:ln w="76200">
+            <a:solidFill>
+              <a:srgbClr val="000000"/>
+            </a:solidFill>
+            <a:miter lim="400000"/>
+            <a:tailEnd type="arrow"/>
+          </a:ln>
+        </p:spPr>
+        <p:txBody>
+          <a:bodyPr lIns="50800" tIns="50800" rIns="50800" bIns="50800" anchor="ctr"/>
+          <a:lstStyle/>
+          <a:p>
+            <a:pPr/>
+          </a:p>
+        </p:txBody>
+      </p:sp>
+      <p:sp>
+        <p:nvSpPr>
+          <p:cNvPr id="289" name="선"/>
+          <p:cNvSpPr/>
+          <p:nvPr/>
+        </p:nvSpPr>
+        <p:spPr>
+          <a:xfrm flipH="1" flipV="1">
+            <a:off x="4379133" y="6278635"/>
+            <a:ext cx="3321633" cy="2908596"/>
+          </a:xfrm>
+          <a:prstGeom prst="line">
+            <a:avLst/>
+          </a:prstGeom>
+          <a:ln w="76200">
+            <a:solidFill>
+              <a:srgbClr val="000000"/>
+            </a:solidFill>
+            <a:miter lim="400000"/>
+            <a:tailEnd type="arrow"/>
+          </a:ln>
+        </p:spPr>
+        <p:txBody>
+          <a:bodyPr lIns="50800" tIns="50800" rIns="50800" bIns="50800" anchor="ctr"/>
+          <a:lstStyle/>
+          <a:p>
+            <a:pPr/>
+          </a:p>
+        </p:txBody>
+      </p:sp>
+      <p:sp>
+        <p:nvSpPr>
+          <p:cNvPr id="290" name="선"/>
+          <p:cNvSpPr/>
+          <p:nvPr/>
+        </p:nvSpPr>
+        <p:spPr>
+          <a:xfrm flipH="1" flipV="1">
+            <a:off x="3523565" y="6745834"/>
+            <a:ext cx="1622413" cy="2443518"/>
+          </a:xfrm>
+          <a:prstGeom prst="line">
+            <a:avLst/>
+          </a:prstGeom>
+          <a:ln w="76200">
+            <a:solidFill>
+              <a:srgbClr val="000000"/>
+            </a:solidFill>
+            <a:miter lim="400000"/>
+            <a:tailEnd type="arrow"/>
+          </a:ln>
+        </p:spPr>
+        <p:txBody>
+          <a:bodyPr lIns="50800" tIns="50800" rIns="50800" bIns="50800" anchor="ctr"/>
+          <a:lstStyle/>
+          <a:p>
+            <a:pPr/>
           </a:p>
         </p:txBody>
       </p:sp>
@@ -7242,7 +8092,7 @@
       </p:grpSpPr>
       <p:sp>
         <p:nvSpPr>
-          <p:cNvPr id="252" name="슬라이드 구분점 텍스트"/>
+          <p:cNvPr id="292" name="슬라이드 구분점 텍스트"/>
           <p:cNvSpPr txBox="1"/>
           <p:nvPr>
             <p:ph type="body" idx="1"/>
@@ -7271,7 +8121,7 @@
       </p:sp>
       <p:sp>
         <p:nvSpPr>
-          <p:cNvPr id="253" name="프로젝트 수행 결과"/>
+          <p:cNvPr id="293" name="프로젝트 개요 - UI 구상"/>
           <p:cNvSpPr txBox="1"/>
           <p:nvPr>
             <p:ph type="title"/>
@@ -7284,15 +8134,17 @@
         </p:spPr>
         <p:txBody>
           <a:bodyPr/>
-          <a:lstStyle>
-            <a:lvl1pPr defTabSz="578358">
+          <a:lstStyle/>
+          <a:p>
+            <a:pPr defTabSz="578358">
               <a:defRPr spc="267" sz="8910"/>
-            </a:lvl1pPr>
-          </a:lstStyle>
-          <a:p>
-            <a:pPr/>
-            <a:r>
-              <a:t>프로젝트 수행 결과</a:t>
+            </a:pPr>
+            <a:r>
+              <a:t>프로젝트 개요 </a:t>
+            </a:r>
+            <a:r>
+              <a:rPr spc="207" sz="6930"/>
+              <a:t>- UI 구상</a:t>
             </a:r>
           </a:p>
         </p:txBody>
@@ -7325,7 +8177,7 @@
       </p:grpSpPr>
       <p:sp>
         <p:nvSpPr>
-          <p:cNvPr id="255" name="슬라이드 구분점 텍스트"/>
+          <p:cNvPr id="295" name="슬라이드 구분점 텍스트"/>
           <p:cNvSpPr txBox="1"/>
           <p:nvPr>
             <p:ph type="body" idx="1"/>
@@ -7354,7 +8206,7 @@
       </p:sp>
       <p:sp>
         <p:nvSpPr>
-          <p:cNvPr id="256" name="프로젝트 자체 평가 의견"/>
+          <p:cNvPr id="296" name="프로젝트 개요 - 데이터 모델링"/>
           <p:cNvSpPr txBox="1"/>
           <p:nvPr>
             <p:ph type="title"/>
@@ -7367,15 +8219,17 @@
         </p:spPr>
         <p:txBody>
           <a:bodyPr/>
-          <a:lstStyle>
-            <a:lvl1pPr defTabSz="578358">
+          <a:lstStyle/>
+          <a:p>
+            <a:pPr defTabSz="578358">
               <a:defRPr spc="267" sz="8910"/>
-            </a:lvl1pPr>
-          </a:lstStyle>
-          <a:p>
-            <a:pPr/>
-            <a:r>
-              <a:t>프로젝트 자체 평가 의견</a:t>
+            </a:pPr>
+            <a:r>
+              <a:t>프로젝트 개요 </a:t>
+            </a:r>
+            <a:r>
+              <a:rPr spc="207" sz="6930"/>
+              <a:t>- 데이터 모델링</a:t>
             </a:r>
           </a:p>
         </p:txBody>
@@ -7408,7 +8262,341 @@
       </p:grpSpPr>
       <p:sp>
         <p:nvSpPr>
-          <p:cNvPr id="258" name="Thank YOU for watch"/>
+          <p:cNvPr id="298" name="슬라이드 구분점 텍스트"/>
+          <p:cNvSpPr txBox="1"/>
+          <p:nvPr>
+            <p:ph type="body" idx="1"/>
+          </p:nvPr>
+        </p:nvSpPr>
+        <p:spPr>
+          <a:xfrm>
+            <a:off x="2082800" y="3238708"/>
+            <a:ext cx="20207127" cy="8746014"/>
+          </a:xfrm>
+          <a:prstGeom prst="rect">
+            <a:avLst/>
+          </a:prstGeom>
+        </p:spPr>
+        <p:txBody>
+          <a:bodyPr/>
+          <a:lstStyle/>
+          <a:p>
+            <a:pPr>
+              <a:buBlip>
+                <a:blip r:embed="rId2"/>
+              </a:buBlip>
+            </a:pPr>
+          </a:p>
+        </p:txBody>
+      </p:sp>
+      <p:sp>
+        <p:nvSpPr>
+          <p:cNvPr id="299" name="프로젝트 개요 - 개발 도구"/>
+          <p:cNvSpPr txBox="1"/>
+          <p:nvPr>
+            <p:ph type="title"/>
+          </p:nvPr>
+        </p:nvSpPr>
+        <p:spPr>
+          <a:prstGeom prst="rect">
+            <a:avLst/>
+          </a:prstGeom>
+        </p:spPr>
+        <p:txBody>
+          <a:bodyPr/>
+          <a:lstStyle/>
+          <a:p>
+            <a:pPr defTabSz="578358">
+              <a:defRPr spc="267" sz="8910"/>
+            </a:pPr>
+            <a:r>
+              <a:t>프로젝트 개요 </a:t>
+            </a:r>
+            <a:r>
+              <a:rPr spc="207" sz="6930"/>
+              <a:t>- 개발 도구</a:t>
+            </a:r>
+          </a:p>
+        </p:txBody>
+      </p:sp>
+    </p:spTree>
+  </p:cSld>
+  <p:clrMapOvr>
+    <a:masterClrMapping/>
+  </p:clrMapOvr>
+  <p:transition xmlns:p14="http://schemas.microsoft.com/office/powerpoint/2010/main" spd="med" advClick="1"/>
+</p:sld>
+</file>
+
+<file path=ppt/slides/slide16.xml><?xml version="1.0" encoding="utf-8"?>
+<p:sld xmlns:a="http://schemas.openxmlformats.org/drawingml/2006/main" xmlns:r="http://schemas.openxmlformats.org/officeDocument/2006/relationships" xmlns:p="http://schemas.openxmlformats.org/presentationml/2006/main" xmlns:m="http://schemas.openxmlformats.org/officeDocument/2006/math" xmlns:a14="http://schemas.microsoft.com/office/drawing/2010/main" showMasterSp="1" showMasterPhAnim="1">
+  <p:cSld>
+    <p:spTree>
+      <p:nvGrpSpPr>
+        <p:cNvPr id="1" name=""/>
+        <p:cNvGrpSpPr/>
+        <p:nvPr/>
+      </p:nvGrpSpPr>
+      <p:grpSpPr>
+        <a:xfrm>
+          <a:off x="0" y="0"/>
+          <a:ext cx="0" cy="0"/>
+          <a:chOff x="0" y="0"/>
+          <a:chExt cx="0" cy="0"/>
+        </a:xfrm>
+      </p:grpSpPr>
+      <p:sp>
+        <p:nvSpPr>
+          <p:cNvPr id="301" name="슬라이드 구분점 텍스트"/>
+          <p:cNvSpPr txBox="1"/>
+          <p:nvPr>
+            <p:ph type="body" idx="1"/>
+          </p:nvPr>
+        </p:nvSpPr>
+        <p:spPr>
+          <a:xfrm>
+            <a:off x="2082800" y="3238708"/>
+            <a:ext cx="20207127" cy="8746014"/>
+          </a:xfrm>
+          <a:prstGeom prst="rect">
+            <a:avLst/>
+          </a:prstGeom>
+        </p:spPr>
+        <p:txBody>
+          <a:bodyPr/>
+          <a:lstStyle/>
+          <a:p>
+            <a:pPr>
+              <a:buBlip>
+                <a:blip r:embed="rId2"/>
+              </a:buBlip>
+            </a:pPr>
+          </a:p>
+        </p:txBody>
+      </p:sp>
+      <p:sp>
+        <p:nvSpPr>
+          <p:cNvPr id="302" name="프로젝트 수행 절차"/>
+          <p:cNvSpPr txBox="1"/>
+          <p:nvPr>
+            <p:ph type="title"/>
+          </p:nvPr>
+        </p:nvSpPr>
+        <p:spPr>
+          <a:prstGeom prst="rect">
+            <a:avLst/>
+          </a:prstGeom>
+        </p:spPr>
+        <p:txBody>
+          <a:bodyPr/>
+          <a:lstStyle>
+            <a:lvl1pPr defTabSz="578358">
+              <a:defRPr spc="267" sz="8910"/>
+            </a:lvl1pPr>
+          </a:lstStyle>
+          <a:p>
+            <a:pPr/>
+            <a:r>
+              <a:t>프로젝트 수행 절차</a:t>
+            </a:r>
+          </a:p>
+        </p:txBody>
+      </p:sp>
+    </p:spTree>
+  </p:cSld>
+  <p:clrMapOvr>
+    <a:masterClrMapping/>
+  </p:clrMapOvr>
+  <p:transition xmlns:p14="http://schemas.microsoft.com/office/powerpoint/2010/main" spd="med" advClick="1"/>
+</p:sld>
+</file>
+
+<file path=ppt/slides/slide17.xml><?xml version="1.0" encoding="utf-8"?>
+<p:sld xmlns:a="http://schemas.openxmlformats.org/drawingml/2006/main" xmlns:r="http://schemas.openxmlformats.org/officeDocument/2006/relationships" xmlns:p="http://schemas.openxmlformats.org/presentationml/2006/main" xmlns:m="http://schemas.openxmlformats.org/officeDocument/2006/math" xmlns:a14="http://schemas.microsoft.com/office/drawing/2010/main" showMasterSp="1" showMasterPhAnim="1">
+  <p:cSld>
+    <p:spTree>
+      <p:nvGrpSpPr>
+        <p:cNvPr id="1" name=""/>
+        <p:cNvGrpSpPr/>
+        <p:nvPr/>
+      </p:nvGrpSpPr>
+      <p:grpSpPr>
+        <a:xfrm>
+          <a:off x="0" y="0"/>
+          <a:ext cx="0" cy="0"/>
+          <a:chOff x="0" y="0"/>
+          <a:chExt cx="0" cy="0"/>
+        </a:xfrm>
+      </p:grpSpPr>
+      <p:sp>
+        <p:nvSpPr>
+          <p:cNvPr id="304" name="슬라이드 구분점 텍스트"/>
+          <p:cNvSpPr txBox="1"/>
+          <p:nvPr>
+            <p:ph type="body" idx="1"/>
+          </p:nvPr>
+        </p:nvSpPr>
+        <p:spPr>
+          <a:xfrm>
+            <a:off x="2082800" y="3238708"/>
+            <a:ext cx="20207127" cy="8746014"/>
+          </a:xfrm>
+          <a:prstGeom prst="rect">
+            <a:avLst/>
+          </a:prstGeom>
+        </p:spPr>
+        <p:txBody>
+          <a:bodyPr/>
+          <a:lstStyle/>
+          <a:p>
+            <a:pPr>
+              <a:buBlip>
+                <a:blip r:embed="rId2"/>
+              </a:buBlip>
+            </a:pPr>
+          </a:p>
+        </p:txBody>
+      </p:sp>
+      <p:sp>
+        <p:nvSpPr>
+          <p:cNvPr id="305" name="프로젝트 수행 결과"/>
+          <p:cNvSpPr txBox="1"/>
+          <p:nvPr>
+            <p:ph type="title"/>
+          </p:nvPr>
+        </p:nvSpPr>
+        <p:spPr>
+          <a:prstGeom prst="rect">
+            <a:avLst/>
+          </a:prstGeom>
+        </p:spPr>
+        <p:txBody>
+          <a:bodyPr/>
+          <a:lstStyle>
+            <a:lvl1pPr defTabSz="578358">
+              <a:defRPr spc="267" sz="8910"/>
+            </a:lvl1pPr>
+          </a:lstStyle>
+          <a:p>
+            <a:pPr/>
+            <a:r>
+              <a:t>프로젝트 수행 결과</a:t>
+            </a:r>
+          </a:p>
+        </p:txBody>
+      </p:sp>
+    </p:spTree>
+  </p:cSld>
+  <p:clrMapOvr>
+    <a:masterClrMapping/>
+  </p:clrMapOvr>
+  <p:transition xmlns:p14="http://schemas.microsoft.com/office/powerpoint/2010/main" spd="med" advClick="1"/>
+</p:sld>
+</file>
+
+<file path=ppt/slides/slide18.xml><?xml version="1.0" encoding="utf-8"?>
+<p:sld xmlns:a="http://schemas.openxmlformats.org/drawingml/2006/main" xmlns:r="http://schemas.openxmlformats.org/officeDocument/2006/relationships" xmlns:p="http://schemas.openxmlformats.org/presentationml/2006/main" xmlns:m="http://schemas.openxmlformats.org/officeDocument/2006/math" xmlns:a14="http://schemas.microsoft.com/office/drawing/2010/main" showMasterSp="1" showMasterPhAnim="1">
+  <p:cSld>
+    <p:spTree>
+      <p:nvGrpSpPr>
+        <p:cNvPr id="1" name=""/>
+        <p:cNvGrpSpPr/>
+        <p:nvPr/>
+      </p:nvGrpSpPr>
+      <p:grpSpPr>
+        <a:xfrm>
+          <a:off x="0" y="0"/>
+          <a:ext cx="0" cy="0"/>
+          <a:chOff x="0" y="0"/>
+          <a:chExt cx="0" cy="0"/>
+        </a:xfrm>
+      </p:grpSpPr>
+      <p:sp>
+        <p:nvSpPr>
+          <p:cNvPr id="307" name="슬라이드 구분점 텍스트"/>
+          <p:cNvSpPr txBox="1"/>
+          <p:nvPr>
+            <p:ph type="body" idx="1"/>
+          </p:nvPr>
+        </p:nvSpPr>
+        <p:spPr>
+          <a:xfrm>
+            <a:off x="2082800" y="3238708"/>
+            <a:ext cx="20207127" cy="8746014"/>
+          </a:xfrm>
+          <a:prstGeom prst="rect">
+            <a:avLst/>
+          </a:prstGeom>
+        </p:spPr>
+        <p:txBody>
+          <a:bodyPr/>
+          <a:lstStyle/>
+          <a:p>
+            <a:pPr>
+              <a:buBlip>
+                <a:blip r:embed="rId2"/>
+              </a:buBlip>
+            </a:pPr>
+          </a:p>
+        </p:txBody>
+      </p:sp>
+      <p:sp>
+        <p:nvSpPr>
+          <p:cNvPr id="308" name="프로젝트 자체 평가 의견"/>
+          <p:cNvSpPr txBox="1"/>
+          <p:nvPr>
+            <p:ph type="title"/>
+          </p:nvPr>
+        </p:nvSpPr>
+        <p:spPr>
+          <a:prstGeom prst="rect">
+            <a:avLst/>
+          </a:prstGeom>
+        </p:spPr>
+        <p:txBody>
+          <a:bodyPr/>
+          <a:lstStyle>
+            <a:lvl1pPr defTabSz="578358">
+              <a:defRPr spc="267" sz="8910"/>
+            </a:lvl1pPr>
+          </a:lstStyle>
+          <a:p>
+            <a:pPr/>
+            <a:r>
+              <a:t>프로젝트 자체 평가 의견</a:t>
+            </a:r>
+          </a:p>
+        </p:txBody>
+      </p:sp>
+    </p:spTree>
+  </p:cSld>
+  <p:clrMapOvr>
+    <a:masterClrMapping/>
+  </p:clrMapOvr>
+  <p:transition xmlns:p14="http://schemas.microsoft.com/office/powerpoint/2010/main" spd="med" advClick="1"/>
+</p:sld>
+</file>
+
+<file path=ppt/slides/slide19.xml><?xml version="1.0" encoding="utf-8"?>
+<p:sld xmlns:a="http://schemas.openxmlformats.org/drawingml/2006/main" xmlns:r="http://schemas.openxmlformats.org/officeDocument/2006/relationships" xmlns:p="http://schemas.openxmlformats.org/presentationml/2006/main" xmlns:m="http://schemas.openxmlformats.org/officeDocument/2006/math" xmlns:a14="http://schemas.microsoft.com/office/drawing/2010/main" showMasterSp="1" showMasterPhAnim="1">
+  <p:cSld>
+    <p:spTree>
+      <p:nvGrpSpPr>
+        <p:cNvPr id="1" name=""/>
+        <p:cNvGrpSpPr/>
+        <p:nvPr/>
+      </p:nvGrpSpPr>
+      <p:grpSpPr>
+        <a:xfrm>
+          <a:off x="0" y="0"/>
+          <a:ext cx="0" cy="0"/>
+          <a:chOff x="0" y="0"/>
+          <a:chExt cx="0" cy="0"/>
+        </a:xfrm>
+      </p:grpSpPr>
+      <p:sp>
+        <p:nvSpPr>
+          <p:cNvPr id="310" name="Thank YOU for watch"/>
           <p:cNvSpPr txBox="1"/>
           <p:nvPr>
             <p:ph type="ctrTitle"/>
@@ -7449,7 +8637,7 @@
       </p:sp>
       <p:sp>
         <p:nvSpPr>
-          <p:cNvPr id="259" name="“Q&amp;A”"/>
+          <p:cNvPr id="311" name="“Q&amp;A”"/>
           <p:cNvSpPr txBox="1"/>
           <p:nvPr/>
         </p:nvSpPr>
@@ -7474,9 +8662,8 @@
           <a:bodyPr lIns="50800" tIns="50800" rIns="50800" bIns="50800">
             <a:normAutofit fontScale="100000" lnSpcReduction="0"/>
           </a:bodyPr>
-          <a:lstStyle/>
-          <a:p>
-            <a:pPr algn="ctr" defTabSz="584200">
+          <a:lstStyle>
+            <a:lvl1pPr algn="ctr" defTabSz="584200">
               <a:lnSpc>
                 <a:spcPct val="100000"/>
               </a:lnSpc>
@@ -7488,16 +8675,12 @@
                   <a:srgbClr val="FFFFFF"/>
                 </a:solidFill>
               </a:defRPr>
-            </a:pPr>
-            <a:r>
-              <a:t>“</a:t>
-            </a:r>
-            <a:r>
-              <a:rPr u="sng"/>
-              <a:t>Q&amp;A</a:t>
-            </a:r>
-            <a:r>
-              <a:t>”</a:t>
+            </a:lvl1pPr>
+          </a:lstStyle>
+          <a:p>
+            <a:pPr/>
+            <a:r>
+              <a:t>“Q&amp;A”</a:t>
             </a:r>
           </a:p>
         </p:txBody>
@@ -7530,16 +8713,16 @@
       </p:grpSpPr>
       <p:sp>
         <p:nvSpPr>
-          <p:cNvPr id="217" name="국하현: 팀장, 깃허브 / 문서 관리자, FRONT-END 통합…"/>
+          <p:cNvPr id="217" name="모튼 팀원이 취업과…"/>
           <p:cNvSpPr txBox="1"/>
           <p:nvPr>
-            <p:ph type="body" idx="1"/>
+            <p:ph type="body" sz="quarter" idx="1"/>
           </p:nvPr>
         </p:nvSpPr>
         <p:spPr>
           <a:xfrm>
-            <a:off x="2088436" y="4000383"/>
-            <a:ext cx="20207128" cy="7045632"/>
+            <a:off x="3621829" y="6354296"/>
+            <a:ext cx="7039127" cy="3831606"/>
           </a:xfrm>
           <a:prstGeom prst="rect">
             <a:avLst/>
@@ -7549,46 +8732,38 @@
           <a:bodyPr/>
           <a:lstStyle/>
           <a:p>
-            <a:pPr marL="755952" indent="-755952">
-              <a:buBlip>
-                <a:blip r:embed="rId2"/>
-              </a:buBlip>
-            </a:pPr>
-            <a:r>
-              <a:t>국하현: 팀장, 깃허브 / 문서 관리자, FRONT-END 통합</a:t>
-            </a:r>
-          </a:p>
-          <a:p>
-            <a:pPr marL="755952" indent="-755952">
-              <a:buBlip>
-                <a:blip r:embed="rId2"/>
-              </a:buBlip>
-            </a:pPr>
-            <a:r>
-              <a:t>김민재: BACK-END 통합</a:t>
-            </a:r>
-          </a:p>
-          <a:p>
-            <a:pPr marL="755952" indent="-755952">
-              <a:buBlip>
-                <a:blip r:embed="rId2"/>
-              </a:buBlip>
-            </a:pPr>
-            <a:r>
-              <a:t>김진우: DBA</a:t>
-            </a:r>
-          </a:p>
-        </p:txBody>
-      </p:sp>
-      <p:sp>
-        <p:nvSpPr>
-          <p:cNvPr id="218" name="팀원 구성 및 역할 분담"/>
+            <a:pPr algn="l"/>
+            <a:r>
+              <a:t>모튼 팀원이 취업과</a:t>
+            </a:r>
+          </a:p>
+          <a:p>
+            <a:pPr algn="l"/>
+            <a:r>
+              <a:t>이루고픈 목표를 향해 </a:t>
+            </a:r>
+          </a:p>
+          <a:p>
+            <a:pPr algn="l"/>
+            <a:r>
+              <a:t>계속해서 노력함을 의미</a:t>
+            </a:r>
+          </a:p>
+        </p:txBody>
+      </p:sp>
+      <p:sp>
+        <p:nvSpPr>
+          <p:cNvPr id="218" name="팀명: We Are ing"/>
           <p:cNvSpPr txBox="1"/>
           <p:nvPr>
             <p:ph type="title"/>
           </p:nvPr>
         </p:nvSpPr>
         <p:spPr>
+          <a:xfrm>
+            <a:off x="2371368" y="3925031"/>
+            <a:ext cx="8832344" cy="1287784"/>
+          </a:xfrm>
           <a:prstGeom prst="rect">
             <a:avLst/>
           </a:prstGeom>
@@ -7596,14 +8771,141 @@
         <p:txBody>
           <a:bodyPr/>
           <a:lstStyle>
-            <a:lvl1pPr defTabSz="578358">
-              <a:defRPr spc="267" sz="8910"/>
+            <a:lvl1pPr defTabSz="443991">
+              <a:defRPr spc="205" sz="6840"/>
             </a:lvl1pPr>
           </a:lstStyle>
           <a:p>
             <a:pPr/>
             <a:r>
-              <a:t>팀원 구성 및 역할 분담</a:t>
+              <a:t>팀명: We Are ing</a:t>
+            </a:r>
+          </a:p>
+        </p:txBody>
+      </p:sp>
+      <p:sp>
+        <p:nvSpPr>
+          <p:cNvPr id="219" name="프로젝트 명: WING_"/>
+          <p:cNvSpPr txBox="1"/>
+          <p:nvPr/>
+        </p:nvSpPr>
+        <p:spPr>
+          <a:xfrm>
+            <a:off x="13175386" y="3925031"/>
+            <a:ext cx="8832344" cy="1289214"/>
+          </a:xfrm>
+          <a:prstGeom prst="rect">
+            <a:avLst/>
+          </a:prstGeom>
+          <a:ln w="12700">
+            <a:miter lim="400000"/>
+          </a:ln>
+          <a:extLst>
+            <a:ext uri="{C572A759-6A51-4108-AA02-DFA0A04FC94B}">
+              <ma14:wrappingTextBoxFlag xmlns:ma14="http://schemas.microsoft.com/office/mac/drawingml/2011/main" val="1"/>
+            </a:ext>
+          </a:extLst>
+        </p:spPr>
+        <p:txBody>
+          <a:bodyPr lIns="50800" tIns="50800" rIns="50800" bIns="50800">
+            <a:normAutofit fontScale="100000" lnSpcReduction="0"/>
+          </a:bodyPr>
+          <a:lstStyle>
+            <a:lvl1pPr algn="ctr" defTabSz="449833">
+              <a:lnSpc>
+                <a:spcPct val="90000"/>
+              </a:lnSpc>
+              <a:spcBef>
+                <a:spcPts val="0"/>
+              </a:spcBef>
+              <a:defRPr cap="all" spc="207" sz="6929"/>
+            </a:lvl1pPr>
+          </a:lstStyle>
+          <a:p>
+            <a:pPr/>
+            <a:r>
+              <a:t>프로젝트 명: WING_</a:t>
+            </a:r>
+          </a:p>
+        </p:txBody>
+      </p:sp>
+      <p:sp>
+        <p:nvSpPr>
+          <p:cNvPr id="220" name="사용자들이 소비습관을 줄여…"/>
+          <p:cNvSpPr txBox="1"/>
+          <p:nvPr/>
+        </p:nvSpPr>
+        <p:spPr>
+          <a:xfrm>
+            <a:off x="13944900" y="6398913"/>
+            <a:ext cx="8127457" cy="4125439"/>
+          </a:xfrm>
+          <a:prstGeom prst="rect">
+            <a:avLst/>
+          </a:prstGeom>
+          <a:ln w="12700">
+            <a:miter lim="400000"/>
+          </a:ln>
+          <a:extLst>
+            <a:ext uri="{C572A759-6A51-4108-AA02-DFA0A04FC94B}">
+              <ma14:wrappingTextBoxFlag xmlns:ma14="http://schemas.microsoft.com/office/mac/drawingml/2011/main" val="1"/>
+            </a:ext>
+          </a:extLst>
+        </p:spPr>
+        <p:txBody>
+          <a:bodyPr lIns="50800" tIns="50800" rIns="50800" bIns="50800">
+            <a:normAutofit fontScale="100000" lnSpcReduction="0"/>
+          </a:bodyPr>
+          <a:lstStyle/>
+          <a:p>
+            <a:pPr marL="177800" indent="-177800" defTabSz="2641600">
+              <a:lnSpc>
+                <a:spcPct val="100000"/>
+              </a:lnSpc>
+              <a:spcBef>
+                <a:spcPts val="4400"/>
+              </a:spcBef>
+              <a:tabLst>
+                <a:tab pos="5384800" algn="l"/>
+              </a:tabLst>
+              <a:defRPr spc="0"/>
+            </a:pPr>
+            <a:r>
+              <a:t>사용자들이 소비습관을 줄여 </a:t>
+            </a:r>
+          </a:p>
+          <a:p>
+            <a:pPr marL="177800" indent="-177800" defTabSz="2641600">
+              <a:lnSpc>
+                <a:spcPct val="100000"/>
+              </a:lnSpc>
+              <a:spcBef>
+                <a:spcPts val="4400"/>
+              </a:spcBef>
+              <a:tabLst>
+                <a:tab pos="5384800" algn="l"/>
+              </a:tabLst>
+              <a:defRPr spc="0"/>
+            </a:pPr>
+            <a:r>
+              <a:t>더 나은 경제활동을 향해 </a:t>
+            </a:r>
+          </a:p>
+          <a:p>
+            <a:pPr marL="177800" indent="-177800" defTabSz="2641600">
+              <a:lnSpc>
+                <a:spcPct val="100000"/>
+              </a:lnSpc>
+              <a:spcBef>
+                <a:spcPts val="4400"/>
+              </a:spcBef>
+              <a:tabLst>
+                <a:tab pos="5384800" algn="l"/>
+              </a:tabLst>
+              <a:defRPr spc="0"/>
+            </a:pPr>
+            <a:r>
+              <a:t>날아가길 바라는 마음으로 작명</a:t>
             </a:r>
           </a:p>
         </p:txBody>
@@ -7636,16 +8938,16 @@
       </p:grpSpPr>
       <p:sp>
         <p:nvSpPr>
-          <p:cNvPr id="220" name="국하현:…"/>
+          <p:cNvPr id="222" name="국하현(팀장)…"/>
           <p:cNvSpPr txBox="1"/>
           <p:nvPr>
-            <p:ph type="body" idx="1"/>
+            <p:ph type="body" sz="quarter" idx="1"/>
           </p:nvPr>
         </p:nvSpPr>
         <p:spPr>
           <a:xfrm>
-            <a:off x="2088436" y="3771931"/>
-            <a:ext cx="20207128" cy="7274084"/>
+            <a:off x="1751774" y="7293647"/>
+            <a:ext cx="6276861" cy="5002829"/>
           </a:xfrm>
           <a:prstGeom prst="rect">
             <a:avLst/>
@@ -7661,34 +8963,32 @@
               </a:buBlip>
             </a:pPr>
             <a:r>
-              <a:t>국하현:</a:t>
-            </a:r>
-          </a:p>
-          <a:p>
-            <a:pPr marL="755952" indent="-755952">
-              <a:buBlip>
-                <a:blip r:embed="rId2"/>
-              </a:buBlip>
+              <a:t> 국하현(팀장)</a:t>
+            </a:r>
+          </a:p>
+          <a:p>
+            <a:pPr marL="0" indent="0">
+              <a:buSzTx/>
+              <a:buNone/>
             </a:pPr>
             <a:r>
-              <a:t>김민재:</a:t>
-            </a:r>
-          </a:p>
-          <a:p>
-            <a:pPr marL="755952" indent="-755952">
-              <a:buBlip>
-                <a:blip r:embed="rId2"/>
-              </a:buBlip>
+              <a:t>- 깃허브 / 문서 관리자</a:t>
+            </a:r>
+          </a:p>
+          <a:p>
+            <a:pPr marL="0" indent="0">
+              <a:buSzTx/>
+              <a:buNone/>
             </a:pPr>
             <a:r>
-              <a:t>김진우:</a:t>
-            </a:r>
-          </a:p>
-        </p:txBody>
-      </p:sp>
-      <p:sp>
-        <p:nvSpPr>
-          <p:cNvPr id="221" name="담당 기능"/>
+              <a:t>- FRONT-END 통합</a:t>
+            </a:r>
+          </a:p>
+        </p:txBody>
+      </p:sp>
+      <p:sp>
+        <p:nvSpPr>
+          <p:cNvPr id="223" name="팀원 구성 및 역할 분담"/>
           <p:cNvSpPr txBox="1"/>
           <p:nvPr>
             <p:ph type="title"/>
@@ -7709,11 +9009,192 @@
           <a:p>
             <a:pPr/>
             <a:r>
-              <a:t>담당 기능</a:t>
-            </a:r>
-          </a:p>
-        </p:txBody>
-      </p:sp>
+              <a:t>팀원 구성 및 역할 분담</a:t>
+            </a:r>
+          </a:p>
+        </p:txBody>
+      </p:sp>
+      <p:sp>
+        <p:nvSpPr>
+          <p:cNvPr id="224" name="김민재(팀원)…"/>
+          <p:cNvSpPr txBox="1"/>
+          <p:nvPr/>
+        </p:nvSpPr>
+        <p:spPr>
+          <a:xfrm>
+            <a:off x="9622017" y="7293647"/>
+            <a:ext cx="6276861" cy="5002829"/>
+          </a:xfrm>
+          <a:prstGeom prst="rect">
+            <a:avLst/>
+          </a:prstGeom>
+          <a:ln w="12700">
+            <a:miter lim="400000"/>
+          </a:ln>
+          <a:extLst>
+            <a:ext uri="{C572A759-6A51-4108-AA02-DFA0A04FC94B}">
+              <ma14:wrappingTextBoxFlag xmlns:ma14="http://schemas.microsoft.com/office/mac/drawingml/2011/main" val="1"/>
+            </a:ext>
+          </a:extLst>
+        </p:spPr>
+        <p:txBody>
+          <a:bodyPr lIns="50800" tIns="50800" rIns="50800" bIns="50800">
+            <a:normAutofit fontScale="100000" lnSpcReduction="0"/>
+          </a:bodyPr>
+          <a:lstStyle/>
+          <a:p>
+            <a:pPr marL="755952" indent="-755952">
+              <a:buSzPct val="100000"/>
+              <a:buBlip>
+                <a:blip r:embed="rId2"/>
+              </a:buBlip>
+            </a:pPr>
+            <a:r>
+              <a:t> 김민재(팀원)</a:t>
+            </a:r>
+          </a:p>
+          <a:p>
+            <a:pPr/>
+            <a:r>
+              <a:t>- BACK-END 통합</a:t>
+            </a:r>
+          </a:p>
+        </p:txBody>
+      </p:sp>
+      <p:sp>
+        <p:nvSpPr>
+          <p:cNvPr id="225" name="김진우(팀원)…"/>
+          <p:cNvSpPr txBox="1"/>
+          <p:nvPr/>
+        </p:nvSpPr>
+        <p:spPr>
+          <a:xfrm>
+            <a:off x="17492259" y="7293647"/>
+            <a:ext cx="5963213" cy="5002829"/>
+          </a:xfrm>
+          <a:prstGeom prst="rect">
+            <a:avLst/>
+          </a:prstGeom>
+          <a:ln w="12700">
+            <a:miter lim="400000"/>
+          </a:ln>
+          <a:extLst>
+            <a:ext uri="{C572A759-6A51-4108-AA02-DFA0A04FC94B}">
+              <ma14:wrappingTextBoxFlag xmlns:ma14="http://schemas.microsoft.com/office/mac/drawingml/2011/main" val="1"/>
+            </a:ext>
+          </a:extLst>
+        </p:spPr>
+        <p:txBody>
+          <a:bodyPr lIns="50800" tIns="50800" rIns="50800" bIns="50800">
+            <a:normAutofit fontScale="100000" lnSpcReduction="0"/>
+          </a:bodyPr>
+          <a:lstStyle/>
+          <a:p>
+            <a:pPr marL="755952" indent="-755952">
+              <a:buSzPct val="100000"/>
+              <a:buBlip>
+                <a:blip r:embed="rId2"/>
+              </a:buBlip>
+            </a:pPr>
+            <a:r>
+              <a:t> 김진우(팀원)</a:t>
+            </a:r>
+          </a:p>
+          <a:p>
+            <a:pPr/>
+            <a:r>
+              <a:t>- DBA</a:t>
+            </a:r>
+          </a:p>
+        </p:txBody>
+      </p:sp>
+      <p:pic>
+        <p:nvPicPr>
+          <p:cNvPr id="226" name="khh-removebg-preview.png" descr="khh-removebg-preview.png"/>
+          <p:cNvPicPr>
+            <a:picLocks noChangeAspect="0"/>
+          </p:cNvPicPr>
+          <p:nvPr/>
+        </p:nvPicPr>
+        <p:blipFill>
+          <a:blip r:embed="rId3">
+            <a:extLst/>
+          </a:blip>
+          <a:stretch>
+            <a:fillRect/>
+          </a:stretch>
+        </p:blipFill>
+        <p:spPr>
+          <a:xfrm>
+            <a:off x="-457651" y="923333"/>
+            <a:ext cx="8779769" cy="8304646"/>
+          </a:xfrm>
+          <a:prstGeom prst="rect">
+            <a:avLst/>
+          </a:prstGeom>
+          <a:ln w="12700">
+            <a:miter lim="400000"/>
+          </a:ln>
+        </p:spPr>
+      </p:pic>
+      <p:pic>
+        <p:nvPicPr>
+          <p:cNvPr id="227" name="kjw-removebg-preview.png" descr="kjw-removebg-preview.png"/>
+          <p:cNvPicPr>
+            <a:picLocks noChangeAspect="0"/>
+          </p:cNvPicPr>
+          <p:nvPr/>
+        </p:nvPicPr>
+        <p:blipFill>
+          <a:blip r:embed="rId4">
+            <a:extLst/>
+          </a:blip>
+          <a:stretch>
+            <a:fillRect/>
+          </a:stretch>
+        </p:blipFill>
+        <p:spPr>
+          <a:xfrm>
+            <a:off x="16877496" y="2612635"/>
+            <a:ext cx="5762532" cy="5580862"/>
+          </a:xfrm>
+          <a:prstGeom prst="rect">
+            <a:avLst/>
+          </a:prstGeom>
+          <a:ln w="12700">
+            <a:miter lim="400000"/>
+          </a:ln>
+        </p:spPr>
+      </p:pic>
+      <p:pic>
+        <p:nvPicPr>
+          <p:cNvPr id="228" name="kmj-removebg-preview.png" descr="kmj-removebg-preview.png"/>
+          <p:cNvPicPr>
+            <a:picLocks noChangeAspect="0"/>
+          </p:cNvPicPr>
+          <p:nvPr/>
+        </p:nvPicPr>
+        <p:blipFill>
+          <a:blip r:embed="rId5">
+            <a:extLst/>
+          </a:blip>
+          <a:stretch>
+            <a:fillRect/>
+          </a:stretch>
+        </p:blipFill>
+        <p:spPr>
+          <a:xfrm>
+            <a:off x="9958599" y="3099921"/>
+            <a:ext cx="4343795" cy="4738719"/>
+          </a:xfrm>
+          <a:prstGeom prst="rect">
+            <a:avLst/>
+          </a:prstGeom>
+          <a:ln w="12700">
+            <a:miter lim="400000"/>
+          </a:ln>
+        </p:spPr>
+      </p:pic>
     </p:spTree>
   </p:cSld>
   <p:clrMapOvr>
@@ -7742,16 +9223,16 @@
       </p:grpSpPr>
       <p:sp>
         <p:nvSpPr>
-          <p:cNvPr id="223" name="프로젝트 개요…"/>
+          <p:cNvPr id="230" name="- 공통 UI, 인증 시스템 설계…"/>
           <p:cNvSpPr txBox="1"/>
           <p:nvPr>
-            <p:ph type="body" idx="1"/>
+            <p:ph type="body" sz="quarter" idx="1"/>
           </p:nvPr>
         </p:nvSpPr>
         <p:spPr>
           <a:xfrm>
-            <a:off x="2082800" y="3079036"/>
-            <a:ext cx="20207127" cy="8869216"/>
+            <a:off x="1367017" y="5439140"/>
+            <a:ext cx="6970570" cy="6548155"/>
           </a:xfrm>
           <a:prstGeom prst="rect">
             <a:avLst/>
@@ -7761,89 +9242,430 @@
           <a:bodyPr/>
           <a:lstStyle/>
           <a:p>
-            <a:pPr marL="740833" indent="-740833">
+            <a:pPr marL="0" indent="0">
+              <a:lnSpc>
+                <a:spcPct val="100000"/>
+              </a:lnSpc>
+              <a:buSzTx/>
+              <a:buNone/>
+            </a:pPr>
+            <a:r>
+              <a:t>-</a:t>
+            </a:r>
+            <a:r>
+              <a:rPr spc="45" sz="4500"/>
+              <a:t> 공통 UI, 인증 시스템 설계</a:t>
+            </a:r>
+            <a:endParaRPr spc="45" sz="4500"/>
+          </a:p>
+          <a:p>
+            <a:pPr marL="0" indent="0">
+              <a:lnSpc>
+                <a:spcPct val="100000"/>
+              </a:lnSpc>
+              <a:buSzTx/>
+              <a:buNone/>
+            </a:pPr>
+            <a:r>
+              <a:rPr spc="45" sz="4500"/>
+              <a:t>- 관리자</a:t>
+            </a:r>
+            <a:endParaRPr spc="45" sz="4500"/>
+          </a:p>
+          <a:p>
+            <a:pPr lvl="1" marL="0" indent="457200">
+              <a:lnSpc>
+                <a:spcPct val="100000"/>
+              </a:lnSpc>
+              <a:buSzTx/>
+              <a:buNone/>
+            </a:pPr>
+            <a:r>
+              <a:rPr spc="45" sz="4500"/>
+              <a:t>- 카드 관리, 판매 카드 현황</a:t>
+            </a:r>
+            <a:endParaRPr spc="45" sz="4500"/>
+          </a:p>
+          <a:p>
+            <a:pPr marL="0" indent="0">
+              <a:lnSpc>
+                <a:spcPct val="100000"/>
+              </a:lnSpc>
+              <a:buSzTx/>
+              <a:buNone/>
+            </a:pPr>
+            <a:r>
+              <a:rPr spc="45" sz="4500"/>
+              <a:t>- 사용자</a:t>
+            </a:r>
+            <a:endParaRPr spc="45" sz="4500"/>
+          </a:p>
+          <a:p>
+            <a:pPr lvl="1" marL="0" indent="457200">
+              <a:lnSpc>
+                <a:spcPct val="100000"/>
+              </a:lnSpc>
+              <a:buSzTx/>
+              <a:buNone/>
+            </a:pPr>
+            <a:r>
+              <a:rPr spc="45" sz="4500"/>
+              <a:t>- 카드 종류</a:t>
+            </a:r>
+          </a:p>
+        </p:txBody>
+      </p:sp>
+      <p:sp>
+        <p:nvSpPr>
+          <p:cNvPr id="231" name="담당 기능"/>
+          <p:cNvSpPr txBox="1"/>
+          <p:nvPr>
+            <p:ph type="title"/>
+          </p:nvPr>
+        </p:nvSpPr>
+        <p:spPr>
+          <a:prstGeom prst="rect">
+            <a:avLst/>
+          </a:prstGeom>
+        </p:spPr>
+        <p:txBody>
+          <a:bodyPr/>
+          <a:lstStyle>
+            <a:lvl1pPr defTabSz="578358">
+              <a:defRPr spc="267" sz="8910"/>
+            </a:lvl1pPr>
+          </a:lstStyle>
+          <a:p>
+            <a:pPr/>
+            <a:r>
+              <a:t>담당 기능</a:t>
+            </a:r>
+          </a:p>
+        </p:txBody>
+      </p:sp>
+      <p:sp>
+        <p:nvSpPr>
+          <p:cNvPr id="232" name="국하현(팀장, FE)"/>
+          <p:cNvSpPr txBox="1"/>
+          <p:nvPr/>
+        </p:nvSpPr>
+        <p:spPr>
+          <a:xfrm>
+            <a:off x="1442004" y="3895506"/>
+            <a:ext cx="5367323" cy="965201"/>
+          </a:xfrm>
+          <a:prstGeom prst="rect">
+            <a:avLst/>
+          </a:prstGeom>
+          <a:ln w="12700">
+            <a:miter lim="400000"/>
+          </a:ln>
+          <a:extLst>
+            <a:ext uri="{C572A759-6A51-4108-AA02-DFA0A04FC94B}">
+              <ma14:wrappingTextBoxFlag xmlns:ma14="http://schemas.microsoft.com/office/mac/drawingml/2011/main" val="1"/>
+            </a:ext>
+          </a:extLst>
+        </p:spPr>
+        <p:txBody>
+          <a:bodyPr wrap="none" lIns="50800" tIns="50800" rIns="50800" bIns="50800" anchor="ctr">
+            <a:spAutoFit/>
+          </a:bodyPr>
+          <a:lstStyle>
+            <a:lvl1pPr marL="755952" indent="-755952">
+              <a:buSzPct val="100000"/>
               <a:buBlip>
                 <a:blip r:embed="rId2"/>
               </a:buBlip>
-            </a:pPr>
-            <a:r>
-              <a:t>프로젝트 개요</a:t>
-            </a:r>
-          </a:p>
-          <a:p>
-            <a:pPr marL="740833" indent="-740833">
+            </a:lvl1pPr>
+          </a:lstStyle>
+          <a:p>
+            <a:pPr/>
+            <a:r>
+              <a:t> 국하현(팀장, FE)</a:t>
+            </a:r>
+          </a:p>
+        </p:txBody>
+      </p:sp>
+      <p:sp>
+        <p:nvSpPr>
+          <p:cNvPr id="233" name="김민재(팀원, BE)"/>
+          <p:cNvSpPr txBox="1"/>
+          <p:nvPr/>
+        </p:nvSpPr>
+        <p:spPr>
+          <a:xfrm>
+            <a:off x="8642006" y="3895506"/>
+            <a:ext cx="5423838" cy="965201"/>
+          </a:xfrm>
+          <a:prstGeom prst="rect">
+            <a:avLst/>
+          </a:prstGeom>
+          <a:ln w="12700">
+            <a:miter lim="400000"/>
+          </a:ln>
+          <a:extLst>
+            <a:ext uri="{C572A759-6A51-4108-AA02-DFA0A04FC94B}">
+              <ma14:wrappingTextBoxFlag xmlns:ma14="http://schemas.microsoft.com/office/mac/drawingml/2011/main" val="1"/>
+            </a:ext>
+          </a:extLst>
+        </p:spPr>
+        <p:txBody>
+          <a:bodyPr wrap="none" lIns="50800" tIns="50800" rIns="50800" bIns="50800" anchor="ctr">
+            <a:spAutoFit/>
+          </a:bodyPr>
+          <a:lstStyle>
+            <a:lvl1pPr marL="755952" indent="-755952">
+              <a:buSzPct val="100000"/>
               <a:buBlip>
                 <a:blip r:embed="rId2"/>
               </a:buBlip>
-            </a:pPr>
-            <a:r>
-              <a:t>프로젝트 수행 절차</a:t>
-            </a:r>
-          </a:p>
-          <a:p>
-            <a:pPr marL="740833" indent="-740833">
+            </a:lvl1pPr>
+          </a:lstStyle>
+          <a:p>
+            <a:pPr/>
+            <a:r>
+              <a:t> 김민재(팀원, BE)</a:t>
+            </a:r>
+          </a:p>
+        </p:txBody>
+      </p:sp>
+      <p:sp>
+        <p:nvSpPr>
+          <p:cNvPr id="234" name="김진우(팀원, DBA)"/>
+          <p:cNvSpPr txBox="1"/>
+          <p:nvPr/>
+        </p:nvSpPr>
+        <p:spPr>
+          <a:xfrm>
+            <a:off x="15898522" y="3895506"/>
+            <a:ext cx="5999149" cy="965201"/>
+          </a:xfrm>
+          <a:prstGeom prst="rect">
+            <a:avLst/>
+          </a:prstGeom>
+          <a:ln w="12700">
+            <a:miter lim="400000"/>
+          </a:ln>
+          <a:extLst>
+            <a:ext uri="{C572A759-6A51-4108-AA02-DFA0A04FC94B}">
+              <ma14:wrappingTextBoxFlag xmlns:ma14="http://schemas.microsoft.com/office/mac/drawingml/2011/main" val="1"/>
+            </a:ext>
+          </a:extLst>
+        </p:spPr>
+        <p:txBody>
+          <a:bodyPr wrap="none" lIns="50800" tIns="50800" rIns="50800" bIns="50800" anchor="ctr">
+            <a:spAutoFit/>
+          </a:bodyPr>
+          <a:lstStyle>
+            <a:lvl1pPr marL="755952" indent="-755952">
+              <a:buSzPct val="100000"/>
               <a:buBlip>
                 <a:blip r:embed="rId2"/>
               </a:buBlip>
-            </a:pPr>
-            <a:r>
-              <a:t>프로젝트 수행 결과</a:t>
-            </a:r>
-          </a:p>
-          <a:p>
-            <a:pPr marL="740833" indent="-740833">
-              <a:buBlip>
-                <a:blip r:embed="rId2"/>
-              </a:buBlip>
-            </a:pPr>
-            <a:r>
-              <a:t>자체 평가 의견</a:t>
-            </a:r>
-          </a:p>
-          <a:p>
-            <a:pPr marL="740833" indent="-740833">
-              <a:buBlip>
-                <a:blip r:embed="rId2"/>
-              </a:buBlip>
-            </a:pPr>
-            <a:r>
-              <a:t>Q&amp;A</a:t>
-            </a:r>
-          </a:p>
-        </p:txBody>
-      </p:sp>
-      <p:sp>
-        <p:nvSpPr>
-          <p:cNvPr id="224" name="개요"/>
-          <p:cNvSpPr txBox="1"/>
-          <p:nvPr>
-            <p:ph type="title" idx="4294967295"/>
-          </p:nvPr>
-        </p:nvSpPr>
-        <p:spPr>
-          <a:xfrm>
-            <a:off x="2088436" y="1282700"/>
-            <a:ext cx="20207128" cy="1649711"/>
-          </a:xfrm>
-          <a:prstGeom prst="rect">
-            <a:avLst/>
-          </a:prstGeom>
-        </p:spPr>
-        <p:txBody>
-          <a:bodyPr/>
-          <a:lstStyle>
-            <a:lvl1pPr algn="l">
-              <a:defRPr spc="270" sz="9000" u="sng">
-                <a:solidFill>
-                  <a:schemeClr val="accent6"/>
-                </a:solidFill>
-              </a:defRPr>
             </a:lvl1pPr>
           </a:lstStyle>
           <a:p>
             <a:pPr/>
             <a:r>
-              <a:t>개요</a:t>
+              <a:t> 김진우(팀원, DBA)</a:t>
+            </a:r>
+          </a:p>
+        </p:txBody>
+      </p:sp>
+      <p:sp>
+        <p:nvSpPr>
+          <p:cNvPr id="235" name="- 디렉터리 구조 설계…"/>
+          <p:cNvSpPr txBox="1"/>
+          <p:nvPr/>
+        </p:nvSpPr>
+        <p:spPr>
+          <a:xfrm>
+            <a:off x="8801444" y="5439140"/>
+            <a:ext cx="6637666" cy="6548155"/>
+          </a:xfrm>
+          <a:prstGeom prst="rect">
+            <a:avLst/>
+          </a:prstGeom>
+          <a:ln w="12700">
+            <a:miter lim="400000"/>
+          </a:ln>
+          <a:extLst>
+            <a:ext uri="{C572A759-6A51-4108-AA02-DFA0A04FC94B}">
+              <ma14:wrappingTextBoxFlag xmlns:ma14="http://schemas.microsoft.com/office/mac/drawingml/2011/main" val="1"/>
+            </a:ext>
+          </a:extLst>
+        </p:spPr>
+        <p:txBody>
+          <a:bodyPr lIns="50800" tIns="50800" rIns="50800" bIns="50800">
+            <a:normAutofit fontScale="100000" lnSpcReduction="0"/>
+          </a:bodyPr>
+          <a:lstStyle/>
+          <a:p>
+            <a:pPr>
+              <a:lnSpc>
+                <a:spcPct val="100000"/>
+              </a:lnSpc>
+            </a:pPr>
+            <a:r>
+              <a:t>-</a:t>
+            </a:r>
+            <a:r>
+              <a:rPr spc="45" sz="4500"/>
+              <a:t> 디렉터리 구조 설계</a:t>
+            </a:r>
+            <a:endParaRPr spc="45" sz="4500"/>
+          </a:p>
+          <a:p>
+            <a:pPr>
+              <a:lnSpc>
+                <a:spcPct val="100000"/>
+              </a:lnSpc>
+            </a:pPr>
+            <a:r>
+              <a:rPr spc="45" sz="4500"/>
+              <a:t>- 관리자</a:t>
+            </a:r>
+            <a:endParaRPr spc="45" sz="4500"/>
+          </a:p>
+          <a:p>
+            <a:pPr lvl="1">
+              <a:lnSpc>
+                <a:spcPct val="100000"/>
+              </a:lnSpc>
+            </a:pPr>
+            <a:r>
+              <a:rPr spc="45" sz="4500"/>
+              <a:t>- 회원, 가계부 관리</a:t>
+            </a:r>
+          </a:p>
+          <a:p>
+            <a:pPr>
+              <a:lnSpc>
+                <a:spcPct val="100000"/>
+              </a:lnSpc>
+            </a:pPr>
+            <a:r>
+              <a:rPr spc="45" sz="4500"/>
+              <a:t>- 사용자</a:t>
+            </a:r>
+            <a:endParaRPr spc="45" sz="4500"/>
+          </a:p>
+          <a:p>
+            <a:pPr lvl="1">
+              <a:lnSpc>
+                <a:spcPct val="100000"/>
+              </a:lnSpc>
+            </a:pPr>
+            <a:r>
+              <a:rPr spc="45" sz="4500"/>
+              <a:t>- 가계부</a:t>
+            </a:r>
+          </a:p>
+        </p:txBody>
+      </p:sp>
+      <p:sp>
+        <p:nvSpPr>
+          <p:cNvPr id="236" name="- DB 설계 및 ERD 제작…"/>
+          <p:cNvSpPr txBox="1"/>
+          <p:nvPr/>
+        </p:nvSpPr>
+        <p:spPr>
+          <a:xfrm>
+            <a:off x="15902967" y="5439140"/>
+            <a:ext cx="7743663" cy="6548155"/>
+          </a:xfrm>
+          <a:prstGeom prst="rect">
+            <a:avLst/>
+          </a:prstGeom>
+          <a:ln w="12700">
+            <a:miter lim="400000"/>
+          </a:ln>
+          <a:extLst>
+            <a:ext uri="{C572A759-6A51-4108-AA02-DFA0A04FC94B}">
+              <ma14:wrappingTextBoxFlag xmlns:ma14="http://schemas.microsoft.com/office/mac/drawingml/2011/main" val="1"/>
+            </a:ext>
+          </a:extLst>
+        </p:spPr>
+        <p:txBody>
+          <a:bodyPr lIns="50800" tIns="50800" rIns="50800" bIns="50800">
+            <a:normAutofit fontScale="100000" lnSpcReduction="0"/>
+          </a:bodyPr>
+          <a:lstStyle/>
+          <a:p>
+            <a:pPr defTabSz="334263">
+              <a:lnSpc>
+                <a:spcPct val="100000"/>
+              </a:lnSpc>
+              <a:spcBef>
+                <a:spcPts val="4000"/>
+              </a:spcBef>
+              <a:defRPr spc="42" sz="4230"/>
+            </a:pPr>
+            <a:r>
+              <a:t>- DB 설계 및 ERD 제작</a:t>
+            </a:r>
+          </a:p>
+          <a:p>
+            <a:pPr defTabSz="334263">
+              <a:lnSpc>
+                <a:spcPct val="100000"/>
+              </a:lnSpc>
+              <a:spcBef>
+                <a:spcPts val="4000"/>
+              </a:spcBef>
+              <a:defRPr spc="47" sz="4700"/>
+            </a:pPr>
+            <a:r>
+              <a:rPr spc="42" sz="4230"/>
+              <a:t>- 관리자</a:t>
+            </a:r>
+            <a:endParaRPr spc="42" sz="4230"/>
+          </a:p>
+          <a:p>
+            <a:pPr lvl="1" indent="429768" defTabSz="334263">
+              <a:lnSpc>
+                <a:spcPct val="100000"/>
+              </a:lnSpc>
+              <a:spcBef>
+                <a:spcPts val="4000"/>
+              </a:spcBef>
+              <a:defRPr spc="47" sz="4700"/>
+            </a:pPr>
+            <a:r>
+              <a:rPr spc="42" sz="4230"/>
+              <a:t>- 카테고리, 결제수단, 게시판 관리</a:t>
+            </a:r>
+            <a:endParaRPr spc="42" sz="4230"/>
+          </a:p>
+          <a:p>
+            <a:pPr defTabSz="334263">
+              <a:lnSpc>
+                <a:spcPct val="100000"/>
+              </a:lnSpc>
+              <a:spcBef>
+                <a:spcPts val="4000"/>
+              </a:spcBef>
+              <a:defRPr spc="47" sz="4700"/>
+            </a:pPr>
+            <a:r>
+              <a:rPr spc="42" sz="4230"/>
+              <a:t>- 사용자</a:t>
+            </a:r>
+            <a:endParaRPr spc="42" sz="4230"/>
+          </a:p>
+          <a:p>
+            <a:pPr lvl="1" indent="429768" defTabSz="334263">
+              <a:lnSpc>
+                <a:spcPct val="100000"/>
+              </a:lnSpc>
+              <a:spcBef>
+                <a:spcPts val="4000"/>
+              </a:spcBef>
+              <a:defRPr spc="47" sz="4700"/>
+            </a:pPr>
+            <a:r>
+              <a:rPr spc="42" sz="4230"/>
+              <a:t>- 게시판</a:t>
             </a:r>
           </a:p>
         </p:txBody>
@@ -7876,7 +9698,272 @@
       </p:grpSpPr>
       <p:sp>
         <p:nvSpPr>
-          <p:cNvPr id="226" name="프로젝트 개요 - Why?"/>
+          <p:cNvPr id="238" name="프로젝트 개요…"/>
+          <p:cNvSpPr txBox="1"/>
+          <p:nvPr>
+            <p:ph type="body" idx="1"/>
+          </p:nvPr>
+        </p:nvSpPr>
+        <p:spPr>
+          <a:xfrm>
+            <a:off x="2088436" y="3224509"/>
+            <a:ext cx="20207128" cy="8869216"/>
+          </a:xfrm>
+          <a:prstGeom prst="rect">
+            <a:avLst/>
+          </a:prstGeom>
+        </p:spPr>
+        <p:txBody>
+          <a:bodyPr/>
+          <a:lstStyle/>
+          <a:p>
+            <a:pPr marL="740833" indent="-740833">
+              <a:buBlip>
+                <a:blip r:embed="rId2"/>
+              </a:buBlip>
+            </a:pPr>
+            <a:r>
+              <a:t>프로젝트 개요</a:t>
+            </a:r>
+          </a:p>
+          <a:p>
+            <a:pPr marL="740833" indent="-740833">
+              <a:buBlip>
+                <a:blip r:embed="rId2"/>
+              </a:buBlip>
+            </a:pPr>
+            <a:r>
+              <a:t>프로젝트 수행 절차</a:t>
+            </a:r>
+          </a:p>
+          <a:p>
+            <a:pPr marL="740833" indent="-740833">
+              <a:buBlip>
+                <a:blip r:embed="rId2"/>
+              </a:buBlip>
+            </a:pPr>
+            <a:r>
+              <a:t>프로젝트 수행 결과</a:t>
+            </a:r>
+          </a:p>
+          <a:p>
+            <a:pPr marL="740833" indent="-740833">
+              <a:buBlip>
+                <a:blip r:embed="rId2"/>
+              </a:buBlip>
+            </a:pPr>
+            <a:r>
+              <a:t>자체 평가 의견</a:t>
+            </a:r>
+          </a:p>
+          <a:p>
+            <a:pPr marL="740833" indent="-740833">
+              <a:buBlip>
+                <a:blip r:embed="rId2"/>
+              </a:buBlip>
+            </a:pPr>
+            <a:r>
+              <a:t>Q&amp;A</a:t>
+            </a:r>
+          </a:p>
+        </p:txBody>
+      </p:sp>
+      <p:sp>
+        <p:nvSpPr>
+          <p:cNvPr id="239" name="개요"/>
+          <p:cNvSpPr txBox="1"/>
+          <p:nvPr>
+            <p:ph type="title" idx="4294967295"/>
+          </p:nvPr>
+        </p:nvSpPr>
+        <p:spPr>
+          <a:xfrm>
+            <a:off x="2088436" y="1282700"/>
+            <a:ext cx="20207128" cy="1649711"/>
+          </a:xfrm>
+          <a:prstGeom prst="rect">
+            <a:avLst/>
+          </a:prstGeom>
+        </p:spPr>
+        <p:txBody>
+          <a:bodyPr/>
+          <a:lstStyle>
+            <a:lvl1pPr algn="l">
+              <a:defRPr spc="270" sz="9000" u="sng">
+                <a:solidFill>
+                  <a:schemeClr val="accent6"/>
+                </a:solidFill>
+              </a:defRPr>
+            </a:lvl1pPr>
+          </a:lstStyle>
+          <a:p>
+            <a:pPr/>
+            <a:r>
+              <a:t>개요</a:t>
+            </a:r>
+          </a:p>
+        </p:txBody>
+      </p:sp>
+    </p:spTree>
+  </p:cSld>
+  <p:clrMapOvr>
+    <a:masterClrMapping/>
+  </p:clrMapOvr>
+  <p:transition xmlns:p14="http://schemas.microsoft.com/office/powerpoint/2010/main" spd="med" advClick="1"/>
+</p:sld>
+</file>
+
+<file path=ppt/slides/slide6.xml><?xml version="1.0" encoding="utf-8"?>
+<p:sld xmlns:a="http://schemas.openxmlformats.org/drawingml/2006/main" xmlns:r="http://schemas.openxmlformats.org/officeDocument/2006/relationships" xmlns:p="http://schemas.openxmlformats.org/presentationml/2006/main" xmlns:m="http://schemas.openxmlformats.org/officeDocument/2006/math" xmlns:a14="http://schemas.microsoft.com/office/drawing/2010/main" showMasterSp="1" showMasterPhAnim="1">
+  <p:cSld>
+    <p:spTree>
+      <p:nvGrpSpPr>
+        <p:cNvPr id="1" name=""/>
+        <p:cNvGrpSpPr/>
+        <p:nvPr/>
+      </p:nvGrpSpPr>
+      <p:grpSpPr>
+        <a:xfrm>
+          <a:off x="0" y="0"/>
+          <a:ext cx="0" cy="0"/>
+          <a:chOff x="0" y="0"/>
+          <a:chExt cx="0" cy="0"/>
+        </a:xfrm>
+      </p:grpSpPr>
+      <p:sp>
+        <p:nvSpPr>
+          <p:cNvPr id="241" name="슬기로운 소비 생활…"/>
+          <p:cNvSpPr txBox="1"/>
+          <p:nvPr>
+            <p:ph type="body" idx="1"/>
+          </p:nvPr>
+        </p:nvSpPr>
+        <p:spPr>
+          <a:xfrm>
+            <a:off x="1101983" y="3500240"/>
+            <a:ext cx="22551952" cy="8673748"/>
+          </a:xfrm>
+          <a:prstGeom prst="rect">
+            <a:avLst/>
+          </a:prstGeom>
+        </p:spPr>
+        <p:txBody>
+          <a:bodyPr/>
+          <a:lstStyle/>
+          <a:p>
+            <a:pPr marL="1234722" indent="-1234722" algn="l">
+              <a:buBlip>
+                <a:blip r:embed="rId2"/>
+              </a:buBlip>
+              <a:defRPr spc="70" sz="7000">
+                <a:latin typeface="Avenir Next Heavy"/>
+                <a:ea typeface="Avenir Next Heavy"/>
+                <a:cs typeface="Avenir Next Heavy"/>
+                <a:sym typeface="Avenir Next Heavy"/>
+              </a:defRPr>
+            </a:pPr>
+            <a:r>
+              <a:rPr u="sng"/>
+              <a:t>슬기로운 소비 생활</a:t>
+            </a:r>
+            <a:endParaRPr b="1" i="1">
+              <a:latin typeface="+mn-lt"/>
+              <a:ea typeface="+mn-ea"/>
+              <a:cs typeface="+mn-cs"/>
+              <a:sym typeface="Avenir Next Regular"/>
+            </a:endParaRPr>
+          </a:p>
+          <a:p>
+            <a:pPr marL="228600" indent="-228600" algn="l">
+              <a:lnSpc>
+                <a:spcPct val="160000"/>
+              </a:lnSpc>
+              <a:buSzPct val="80000"/>
+              <a:buBlip>
+                <a:blip r:embed="rId3"/>
+              </a:buBlip>
+              <a:defRPr b="1" i="1" spc="65" sz="6500">
+                <a:latin typeface="+mn-lt"/>
+                <a:ea typeface="+mn-ea"/>
+                <a:cs typeface="+mn-cs"/>
+                <a:sym typeface="Avenir Next Regular"/>
+              </a:defRPr>
+            </a:pPr>
+            <a:r>
+              <a:t> </a:t>
+            </a:r>
+            <a:r>
+              <a:t>HOW?</a:t>
+            </a:r>
+          </a:p>
+          <a:p>
+            <a:pPr lvl="1" marL="0" indent="457200" algn="l">
+              <a:lnSpc>
+                <a:spcPct val="160000"/>
+              </a:lnSpc>
+              <a:buSzTx/>
+              <a:buNone/>
+              <a:defRPr spc="52" sz="5200"/>
+            </a:pPr>
+            <a:r>
+              <a:t>내 소비 내역을 작성하고 나와 어울리는 금융 상품을 추천 받는다면?</a:t>
+            </a:r>
+          </a:p>
+          <a:p>
+            <a:pPr lvl="1" marL="0" indent="457200" algn="l">
+              <a:lnSpc>
+                <a:spcPct val="160000"/>
+              </a:lnSpc>
+              <a:buSzTx/>
+              <a:buNone/>
+              <a:defRPr spc="52" sz="5200"/>
+            </a:pPr>
+            <a:r>
+              <a:t>=&gt; 가계부 사이트</a:t>
+            </a:r>
+          </a:p>
+          <a:p>
+            <a:pPr marL="228600" indent="-228600" algn="l">
+              <a:lnSpc>
+                <a:spcPct val="180000"/>
+              </a:lnSpc>
+              <a:buClr>
+                <a:schemeClr val="accent1">
+                  <a:satOff val="36598"/>
+                  <a:lumOff val="-17227"/>
+                </a:schemeClr>
+              </a:buClr>
+              <a:buSzPct val="80000"/>
+              <a:buBlip>
+                <a:blip r:embed="rId3"/>
+              </a:buBlip>
+              <a:defRPr spc="65" sz="6500"/>
+            </a:pPr>
+            <a:r>
+              <a:t> </a:t>
+            </a:r>
+            <a:r>
+              <a:rPr b="1" i="1">
+                <a:latin typeface="+mn-lt"/>
+                <a:ea typeface="+mn-ea"/>
+                <a:cs typeface="+mn-cs"/>
+                <a:sym typeface="Avenir Next Regular"/>
+              </a:rPr>
+              <a:t>GOAL</a:t>
+            </a:r>
+            <a:r>
+              <a:t>: </a:t>
+            </a:r>
+            <a:r>
+              <a:rPr spc="52" sz="5200"/>
+              <a:t>사용자의 소비 습관을 줄임, 소비 데이터를 기반으로 카드 추천</a:t>
+            </a:r>
+          </a:p>
+        </p:txBody>
+      </p:sp>
+      <p:sp>
+        <p:nvSpPr>
+          <p:cNvPr id="242" name="프로젝트 개요 - Subject"/>
           <p:cNvSpPr txBox="1"/>
           <p:nvPr>
             <p:ph type="title"/>
@@ -7884,8 +9971,8 @@
         </p:nvSpPr>
         <p:spPr>
           <a:xfrm>
-            <a:off x="837975" y="1265981"/>
-            <a:ext cx="20207127" cy="1649711"/>
+            <a:off x="862022" y="1265981"/>
+            <a:ext cx="11929161" cy="1649711"/>
           </a:xfrm>
           <a:prstGeom prst="rect">
             <a:avLst/>
@@ -7903,14 +9990,40 @@
             </a:r>
             <a:r>
               <a:rPr spc="207" sz="6930"/>
-              <a:t>Why?</a:t>
-            </a:r>
-          </a:p>
-        </p:txBody>
-      </p:sp>
-      <p:sp>
-        <p:nvSpPr>
-          <p:cNvPr id="227" name="가계부 APP(5++) &gt; 가계부 WEB(1)"/>
+              <a:t>Subject</a:t>
+            </a:r>
+          </a:p>
+        </p:txBody>
+      </p:sp>
+    </p:spTree>
+  </p:cSld>
+  <p:clrMapOvr>
+    <a:masterClrMapping/>
+  </p:clrMapOvr>
+  <p:transition xmlns:p14="http://schemas.microsoft.com/office/powerpoint/2010/main" spd="med" advClick="1"/>
+</p:sld>
+</file>
+
+<file path=ppt/slides/slide7.xml><?xml version="1.0" encoding="utf-8"?>
+<p:sld xmlns:a="http://schemas.openxmlformats.org/drawingml/2006/main" xmlns:r="http://schemas.openxmlformats.org/officeDocument/2006/relationships" xmlns:p="http://schemas.openxmlformats.org/presentationml/2006/main" xmlns:m="http://schemas.openxmlformats.org/officeDocument/2006/math" xmlns:a14="http://schemas.microsoft.com/office/drawing/2010/main" showMasterSp="1" showMasterPhAnim="1">
+  <p:cSld>
+    <p:spTree>
+      <p:nvGrpSpPr>
+        <p:cNvPr id="1" name=""/>
+        <p:cNvGrpSpPr/>
+        <p:nvPr/>
+      </p:nvGrpSpPr>
+      <p:grpSpPr>
+        <a:xfrm>
+          <a:off x="0" y="0"/>
+          <a:ext cx="0" cy="0"/>
+          <a:chOff x="0" y="0"/>
+          <a:chExt cx="0" cy="0"/>
+        </a:xfrm>
+      </p:grpSpPr>
+      <p:sp>
+        <p:nvSpPr>
+          <p:cNvPr id="244" name="가계부 APP(5++) &gt; 가계부 WEB(1)"/>
           <p:cNvSpPr txBox="1"/>
           <p:nvPr>
             <p:ph type="body" sz="quarter" idx="1"/>
@@ -7918,8 +10031,8 @@
         </p:nvSpPr>
         <p:spPr>
           <a:xfrm>
-            <a:off x="4872256" y="2795071"/>
-            <a:ext cx="15943279" cy="954353"/>
+            <a:off x="12350978" y="2110735"/>
+            <a:ext cx="10412111" cy="953413"/>
           </a:xfrm>
           <a:prstGeom prst="rect">
             <a:avLst/>
@@ -7927,25 +10040,48 @@
         </p:spPr>
         <p:txBody>
           <a:bodyPr/>
-          <a:lstStyle>
-            <a:lvl1pPr marL="0" indent="0">
+          <a:lstStyle/>
+          <a:p>
+            <a:pPr marL="0" indent="0">
+              <a:lnSpc>
+                <a:spcPct val="100000"/>
+              </a:lnSpc>
               <a:buSzTx/>
               <a:buNone/>
-            </a:lvl1pPr>
-          </a:lstStyle>
-          <a:p>
-            <a:pPr/>
-            <a:r>
-              <a:t>가계부 APP(5++) &gt; 가계부 WEB(1)</a:t>
+              <a:defRPr spc="48" sz="4800"/>
+            </a:pPr>
+            <a:r>
+              <a:t>가계부 </a:t>
+            </a:r>
+            <a:r>
+              <a:rPr b="1" i="1">
+                <a:latin typeface="+mn-lt"/>
+                <a:ea typeface="+mn-ea"/>
+                <a:cs typeface="+mn-cs"/>
+                <a:sym typeface="Avenir Next Regular"/>
+              </a:rPr>
+              <a:t>APP(5++)</a:t>
+            </a:r>
+            <a:r>
+              <a:t> &gt; 가계부 </a:t>
+            </a:r>
+            <a:r>
+              <a:rPr b="1" i="1">
+                <a:latin typeface="+mn-lt"/>
+                <a:ea typeface="+mn-ea"/>
+                <a:cs typeface="+mn-cs"/>
+                <a:sym typeface="Avenir Next Regular"/>
+              </a:rPr>
+              <a:t>WEB(1)</a:t>
             </a:r>
           </a:p>
         </p:txBody>
       </p:sp>
       <p:pic>
         <p:nvPicPr>
-          <p:cNvPr id="228" name="스크린샷 2024-09-30 오후 8.50.52.png" descr="스크린샷 2024-09-30 오후 8.50.52.png"/>
+          <p:cNvPr id="245" name="스크린샷 2024-09-30 오후 8.50.52.png" descr="스크린샷 2024-09-30 오후 8.50.52.png"/>
           <p:cNvPicPr>
-            <a:picLocks noChangeAspect="1"/>
+            <a:picLocks noChangeAspect="0"/>
           </p:cNvPicPr>
           <p:nvPr/>
         </p:nvPicPr>
@@ -7959,8 +10095,8 @@
         </p:blipFill>
         <p:spPr>
           <a:xfrm>
-            <a:off x="839940" y="4019031"/>
-            <a:ext cx="10525028" cy="8277090"/>
+            <a:off x="762626" y="3491039"/>
+            <a:ext cx="11160602" cy="8805082"/>
           </a:xfrm>
           <a:prstGeom prst="rect">
             <a:avLst/>
@@ -7972,14 +10108,14 @@
       </p:pic>
       <p:sp>
         <p:nvSpPr>
-          <p:cNvPr id="229" name="왜 공책을 사야하는가…"/>
+          <p:cNvPr id="246" name="왜 꼭 앱인가…"/>
           <p:cNvSpPr txBox="1"/>
           <p:nvPr/>
         </p:nvSpPr>
         <p:spPr>
           <a:xfrm>
-            <a:off x="12070560" y="4483465"/>
-            <a:ext cx="11501426" cy="7348221"/>
+            <a:off x="12431269" y="4184282"/>
+            <a:ext cx="11501426" cy="7719547"/>
           </a:xfrm>
           <a:prstGeom prst="rect">
             <a:avLst/>
@@ -8018,7 +10154,7 @@
               </a:defRPr>
             </a:pPr>
             <a:r>
-              <a:t>왜 공책을 사야하는가</a:t>
+              <a:t>왜 꼭 앱인가</a:t>
             </a:r>
           </a:p>
           <a:p>
@@ -8041,7 +10177,7 @@
               </a:defRPr>
             </a:pPr>
             <a:r>
-              <a:t>왜 꼭 앱인가</a:t>
+              <a:t>왜 복잡한 UI인가</a:t>
             </a:r>
           </a:p>
           <a:p>
@@ -8194,6 +10330,98 @@
             </a:r>
             <a:r>
               <a:t>”</a:t>
+            </a:r>
+          </a:p>
+        </p:txBody>
+      </p:sp>
+      <p:pic>
+        <p:nvPicPr>
+          <p:cNvPr id="247" name="스크린샷 2024-10-12 오전 12.10.42.png" descr="스크린샷 2024-10-12 오전 12.10.42.png"/>
+          <p:cNvPicPr>
+            <a:picLocks noChangeAspect="0"/>
+          </p:cNvPicPr>
+          <p:nvPr/>
+        </p:nvPicPr>
+        <p:blipFill>
+          <a:blip r:embed="rId4">
+            <a:extLst/>
+          </a:blip>
+          <a:stretch>
+            <a:fillRect/>
+          </a:stretch>
+        </p:blipFill>
+        <p:spPr>
+          <a:xfrm>
+            <a:off x="717682" y="3440924"/>
+            <a:ext cx="11250491" cy="8905312"/>
+          </a:xfrm>
+          <a:prstGeom prst="rect">
+            <a:avLst/>
+          </a:prstGeom>
+          <a:ln w="12700">
+            <a:miter lim="400000"/>
+          </a:ln>
+        </p:spPr>
+      </p:pic>
+      <p:pic>
+        <p:nvPicPr>
+          <p:cNvPr id="248" name="스크린샷 2024-10-12 오전 12.14.40.png" descr="스크린샷 2024-10-12 오전 12.14.40.png"/>
+          <p:cNvPicPr>
+            <a:picLocks noChangeAspect="0"/>
+          </p:cNvPicPr>
+          <p:nvPr/>
+        </p:nvPicPr>
+        <p:blipFill>
+          <a:blip r:embed="rId5">
+            <a:extLst/>
+          </a:blip>
+          <a:stretch>
+            <a:fillRect/>
+          </a:stretch>
+        </p:blipFill>
+        <p:spPr>
+          <a:xfrm>
+            <a:off x="761295" y="3437947"/>
+            <a:ext cx="11163264" cy="8911266"/>
+          </a:xfrm>
+          <a:prstGeom prst="rect">
+            <a:avLst/>
+          </a:prstGeom>
+          <a:ln w="12700">
+            <a:miter lim="400000"/>
+          </a:ln>
+        </p:spPr>
+      </p:pic>
+      <p:sp>
+        <p:nvSpPr>
+          <p:cNvPr id="249" name="프로젝트 개요 - why?"/>
+          <p:cNvSpPr txBox="1"/>
+          <p:nvPr>
+            <p:ph type="title"/>
+          </p:nvPr>
+        </p:nvSpPr>
+        <p:spPr>
+          <a:xfrm>
+            <a:off x="862022" y="1265981"/>
+            <a:ext cx="10715991" cy="1649711"/>
+          </a:xfrm>
+          <a:prstGeom prst="rect">
+            <a:avLst/>
+          </a:prstGeom>
+        </p:spPr>
+        <p:txBody>
+          <a:bodyPr/>
+          <a:lstStyle/>
+          <a:p>
+            <a:pPr defTabSz="578358">
+              <a:defRPr spc="267" sz="8910"/>
+            </a:pPr>
+            <a:r>
+              <a:t>프로젝트 개요 - </a:t>
+            </a:r>
+            <a:r>
+              <a:rPr spc="207" sz="6930"/>
+              <a:t>why?</a:t>
             </a:r>
           </a:p>
         </p:txBody>
@@ -8225,7 +10453,187 @@
                             </p:stCondLst>
                             <p:childTnLst>
                               <p:par>
-                                <p:cTn id="5" presetClass="entr" nodeType="clickEffect" presetSubtype="0" presetID="1" grpId="1" fill="hold">
+                                <p:cTn id="5" presetClass="entr" nodeType="clickEffect" presetSubtype="8" presetID="2" grpId="1" fill="hold">
+                                  <p:stCondLst>
+                                    <p:cond delay="0"/>
+                                  </p:stCondLst>
+                                  <p:iterate type="el" backwards="0">
+                                    <p:tmAbs val="0"/>
+                                  </p:iterate>
+                                  <p:childTnLst>
+                                    <p:set>
+                                      <p:cBhvr>
+                                        <p:cTn id="6" fill="hold"/>
+                                        <p:tgtEl>
+                                          <p:spTgt spid="247"/>
+                                        </p:tgtEl>
+                                        <p:attrNameLst>
+                                          <p:attrName>style.visibility</p:attrName>
+                                        </p:attrNameLst>
+                                      </p:cBhvr>
+                                      <p:to>
+                                        <p:strVal val="visible"/>
+                                      </p:to>
+                                    </p:set>
+                                    <p:anim calcmode="lin" valueType="num">
+                                      <p:cBhvr>
+                                        <p:cTn id="7" dur="1000" fill="hold"/>
+                                        <p:tgtEl>
+                                          <p:spTgt spid="247"/>
+                                        </p:tgtEl>
+                                        <p:attrNameLst>
+                                          <p:attrName>ppt_x</p:attrName>
+                                        </p:attrNameLst>
+                                      </p:cBhvr>
+                                      <p:tavLst>
+                                        <p:tav tm="0">
+                                          <p:val>
+                                            <p:strVal val="0-#ppt_w/2"/>
+                                          </p:val>
+                                        </p:tav>
+                                        <p:tav tm="100000">
+                                          <p:val>
+                                            <p:strVal val="#ppt_x"/>
+                                          </p:val>
+                                        </p:tav>
+                                      </p:tavLst>
+                                    </p:anim>
+                                    <p:anim calcmode="lin" valueType="num">
+                                      <p:cBhvr>
+                                        <p:cTn id="8" dur="1000" fill="hold"/>
+                                        <p:tgtEl>
+                                          <p:spTgt spid="247"/>
+                                        </p:tgtEl>
+                                        <p:attrNameLst>
+                                          <p:attrName>ppt_y</p:attrName>
+                                        </p:attrNameLst>
+                                      </p:cBhvr>
+                                      <p:tavLst>
+                                        <p:tav tm="0">
+                                          <p:val>
+                                            <p:strVal val="#ppt_y"/>
+                                          </p:val>
+                                        </p:tav>
+                                        <p:tav tm="100000">
+                                          <p:val>
+                                            <p:strVal val="#ppt_y"/>
+                                          </p:val>
+                                        </p:tav>
+                                      </p:tavLst>
+                                    </p:anim>
+                                  </p:childTnLst>
+                                </p:cTn>
+                              </p:par>
+                            </p:childTnLst>
+                          </p:cTn>
+                        </p:par>
+                      </p:childTnLst>
+                    </p:cTn>
+                  </p:par>
+                  <p:par>
+                    <p:cTn id="9" fill="hold">
+                      <p:stCondLst>
+                        <p:cond delay="indefinite"/>
+                      </p:stCondLst>
+                      <p:childTnLst>
+                        <p:par>
+                          <p:cTn id="10" fill="hold">
+                            <p:stCondLst>
+                              <p:cond delay="0"/>
+                            </p:stCondLst>
+                            <p:childTnLst>
+                              <p:par>
+                                <p:cTn id="11" presetClass="entr" nodeType="clickEffect" presetSubtype="8" presetID="2" grpId="2" fill="hold">
+                                  <p:stCondLst>
+                                    <p:cond delay="0"/>
+                                  </p:stCondLst>
+                                  <p:iterate type="el" backwards="0">
+                                    <p:tmAbs val="0"/>
+                                  </p:iterate>
+                                  <p:childTnLst>
+                                    <p:set>
+                                      <p:cBhvr>
+                                        <p:cTn id="12" fill="hold"/>
+                                        <p:tgtEl>
+                                          <p:spTgt spid="248"/>
+                                        </p:tgtEl>
+                                        <p:attrNameLst>
+                                          <p:attrName>style.visibility</p:attrName>
+                                        </p:attrNameLst>
+                                      </p:cBhvr>
+                                      <p:to>
+                                        <p:strVal val="visible"/>
+                                      </p:to>
+                                    </p:set>
+                                    <p:anim calcmode="lin" valueType="num">
+                                      <p:cBhvr>
+                                        <p:cTn id="13" dur="1000" fill="hold"/>
+                                        <p:tgtEl>
+                                          <p:spTgt spid="248"/>
+                                        </p:tgtEl>
+                                        <p:attrNameLst>
+                                          <p:attrName>ppt_x</p:attrName>
+                                        </p:attrNameLst>
+                                      </p:cBhvr>
+                                      <p:tavLst>
+                                        <p:tav tm="0">
+                                          <p:val>
+                                            <p:strVal val="0-#ppt_w/2"/>
+                                          </p:val>
+                                        </p:tav>
+                                        <p:tav tm="100000">
+                                          <p:val>
+                                            <p:strVal val="#ppt_x"/>
+                                          </p:val>
+                                        </p:tav>
+                                      </p:tavLst>
+                                    </p:anim>
+                                    <p:anim calcmode="lin" valueType="num">
+                                      <p:cBhvr>
+                                        <p:cTn id="14" dur="1000" fill="hold"/>
+                                        <p:tgtEl>
+                                          <p:spTgt spid="248"/>
+                                        </p:tgtEl>
+                                        <p:attrNameLst>
+                                          <p:attrName>ppt_y</p:attrName>
+                                        </p:attrNameLst>
+                                      </p:cBhvr>
+                                      <p:tavLst>
+                                        <p:tav tm="0">
+                                          <p:val>
+                                            <p:strVal val="#ppt_y"/>
+                                          </p:val>
+                                        </p:tav>
+                                        <p:tav tm="100000">
+                                          <p:val>
+                                            <p:strVal val="#ppt_y"/>
+                                          </p:val>
+                                        </p:tav>
+                                      </p:tavLst>
+                                    </p:anim>
+                                  </p:childTnLst>
+                                </p:cTn>
+                              </p:par>
+                            </p:childTnLst>
+                          </p:cTn>
+                        </p:par>
+                      </p:childTnLst>
+                    </p:cTn>
+                  </p:par>
+                  <p:par>
+                    <p:cTn id="15" fill="hold">
+                      <p:stCondLst>
+                        <p:cond delay="indefinite"/>
+                      </p:stCondLst>
+                      <p:childTnLst>
+                        <p:par>
+                          <p:cTn id="16" fill="hold">
+                            <p:stCondLst>
+                              <p:cond delay="0"/>
+                            </p:stCondLst>
+                            <p:childTnLst>
+                              <p:par>
+                                <p:cTn id="17" presetClass="entr" nodeType="clickEffect" presetSubtype="0" presetID="1" grpId="3" fill="hold">
                                   <p:stCondLst>
                                     <p:cond delay="0"/>
                                   </p:stCondLst>
@@ -8235,9 +10643,9 @@
                                   <p:childTnLst>
                                     <p:set>
                                       <p:cBhvr>
-                                        <p:cTn id="6" fill="hold"/>
+                                        <p:cTn id="18" fill="hold"/>
                                         <p:tgtEl>
-                                          <p:spTgt spid="229"/>
+                                          <p:spTgt spid="246"/>
                                         </p:tgtEl>
                                         <p:attrNameLst>
                                           <p:attrName>style.visibility</p:attrName>
@@ -8278,179 +10686,11 @@
       </p:par>
     </p:tnLst>
     <p:bldLst>
-      <p:bldP build="whole" bldLvl="1" animBg="1" rev="0" advAuto="0" spid="229" grpId="1"/>
+      <p:bldP build="whole" bldLvl="1" animBg="1" rev="0" advAuto="0" spid="246" grpId="3"/>
+      <p:bldP build="whole" bldLvl="1" animBg="1" rev="0" advAuto="0" spid="248" grpId="2"/>
+      <p:bldP build="whole" bldLvl="1" animBg="1" rev="0" advAuto="0" spid="247" grpId="1"/>
     </p:bldLst>
   </p:timing>
-</p:sld>
-</file>
-
-<file path=ppt/slides/slide6.xml><?xml version="1.0" encoding="utf-8"?>
-<p:sld xmlns:a="http://schemas.openxmlformats.org/drawingml/2006/main" xmlns:r="http://schemas.openxmlformats.org/officeDocument/2006/relationships" xmlns:p="http://schemas.openxmlformats.org/presentationml/2006/main" xmlns:m="http://schemas.openxmlformats.org/officeDocument/2006/math" xmlns:a14="http://schemas.microsoft.com/office/drawing/2010/main" showMasterSp="1" showMasterPhAnim="1">
-  <p:cSld>
-    <p:spTree>
-      <p:nvGrpSpPr>
-        <p:cNvPr id="1" name=""/>
-        <p:cNvGrpSpPr/>
-        <p:nvPr/>
-      </p:nvGrpSpPr>
-      <p:grpSpPr>
-        <a:xfrm>
-          <a:off x="0" y="0"/>
-          <a:ext cx="0" cy="0"/>
-          <a:chOff x="0" y="0"/>
-          <a:chExt cx="0" cy="0"/>
-        </a:xfrm>
-      </p:grpSpPr>
-      <p:sp>
-        <p:nvSpPr>
-          <p:cNvPr id="231" name="슬라이드 구분점 텍스트"/>
-          <p:cNvSpPr txBox="1"/>
-          <p:nvPr>
-            <p:ph type="body" idx="1"/>
-          </p:nvPr>
-        </p:nvSpPr>
-        <p:spPr>
-          <a:xfrm>
-            <a:off x="2082800" y="3238708"/>
-            <a:ext cx="20207127" cy="8746014"/>
-          </a:xfrm>
-          <a:prstGeom prst="rect">
-            <a:avLst/>
-          </a:prstGeom>
-        </p:spPr>
-        <p:txBody>
-          <a:bodyPr/>
-          <a:lstStyle/>
-          <a:p>
-            <a:pPr>
-              <a:buBlip>
-                <a:blip r:embed="rId2"/>
-              </a:buBlip>
-            </a:pPr>
-          </a:p>
-        </p:txBody>
-      </p:sp>
-      <p:sp>
-        <p:nvSpPr>
-          <p:cNvPr id="232" name="프로젝트 개요 - 벤치 마킹 사이트"/>
-          <p:cNvSpPr txBox="1"/>
-          <p:nvPr>
-            <p:ph type="title"/>
-          </p:nvPr>
-        </p:nvSpPr>
-        <p:spPr>
-          <a:prstGeom prst="rect">
-            <a:avLst/>
-          </a:prstGeom>
-        </p:spPr>
-        <p:txBody>
-          <a:bodyPr/>
-          <a:lstStyle/>
-          <a:p>
-            <a:pPr defTabSz="578358">
-              <a:defRPr spc="267" sz="8910"/>
-            </a:pPr>
-            <a:r>
-              <a:t>프로젝트 개요 </a:t>
-            </a:r>
-            <a:r>
-              <a:rPr spc="207" sz="6930"/>
-              <a:t>- 벤치 마킹 사이트</a:t>
-            </a:r>
-          </a:p>
-        </p:txBody>
-      </p:sp>
-    </p:spTree>
-  </p:cSld>
-  <p:clrMapOvr>
-    <a:masterClrMapping/>
-  </p:clrMapOvr>
-  <p:transition xmlns:p14="http://schemas.microsoft.com/office/powerpoint/2010/main" spd="med" advClick="1"/>
-</p:sld>
-</file>
-
-<file path=ppt/slides/slide7.xml><?xml version="1.0" encoding="utf-8"?>
-<p:sld xmlns:a="http://schemas.openxmlformats.org/drawingml/2006/main" xmlns:r="http://schemas.openxmlformats.org/officeDocument/2006/relationships" xmlns:p="http://schemas.openxmlformats.org/presentationml/2006/main" xmlns:m="http://schemas.openxmlformats.org/officeDocument/2006/math" xmlns:a14="http://schemas.microsoft.com/office/drawing/2010/main" showMasterSp="1" showMasterPhAnim="1">
-  <p:cSld>
-    <p:spTree>
-      <p:nvGrpSpPr>
-        <p:cNvPr id="1" name=""/>
-        <p:cNvGrpSpPr/>
-        <p:nvPr/>
-      </p:nvGrpSpPr>
-      <p:grpSpPr>
-        <a:xfrm>
-          <a:off x="0" y="0"/>
-          <a:ext cx="0" cy="0"/>
-          <a:chOff x="0" y="0"/>
-          <a:chExt cx="0" cy="0"/>
-        </a:xfrm>
-      </p:grpSpPr>
-      <p:sp>
-        <p:nvSpPr>
-          <p:cNvPr id="234" name="슬라이드 구분점 텍스트"/>
-          <p:cNvSpPr txBox="1"/>
-          <p:nvPr>
-            <p:ph type="body" idx="1"/>
-          </p:nvPr>
-        </p:nvSpPr>
-        <p:spPr>
-          <a:xfrm>
-            <a:off x="2082800" y="3238708"/>
-            <a:ext cx="20207127" cy="8746014"/>
-          </a:xfrm>
-          <a:prstGeom prst="rect">
-            <a:avLst/>
-          </a:prstGeom>
-        </p:spPr>
-        <p:txBody>
-          <a:bodyPr/>
-          <a:lstStyle/>
-          <a:p>
-            <a:pPr>
-              <a:buBlip>
-                <a:blip r:embed="rId2"/>
-              </a:buBlip>
-            </a:pPr>
-          </a:p>
-        </p:txBody>
-      </p:sp>
-      <p:sp>
-        <p:nvSpPr>
-          <p:cNvPr id="235" name="프로젝트 개요 - 수행 일정"/>
-          <p:cNvSpPr txBox="1"/>
-          <p:nvPr>
-            <p:ph type="title"/>
-          </p:nvPr>
-        </p:nvSpPr>
-        <p:spPr>
-          <a:prstGeom prst="rect">
-            <a:avLst/>
-          </a:prstGeom>
-        </p:spPr>
-        <p:txBody>
-          <a:bodyPr/>
-          <a:lstStyle/>
-          <a:p>
-            <a:pPr defTabSz="578358">
-              <a:defRPr spc="267" sz="8910"/>
-            </a:pPr>
-            <a:r>
-              <a:t>프로젝트 개요 </a:t>
-            </a:r>
-            <a:r>
-              <a:rPr spc="207" sz="6930"/>
-              <a:t>- 수행 일정</a:t>
-            </a:r>
-          </a:p>
-        </p:txBody>
-      </p:sp>
-    </p:spTree>
-  </p:cSld>
-  <p:clrMapOvr>
-    <a:masterClrMapping/>
-  </p:clrMapOvr>
-  <p:transition xmlns:p14="http://schemas.microsoft.com/office/powerpoint/2010/main" spd="med" advClick="1"/>
 </p:sld>
 </file>
 
@@ -8473,7 +10713,7 @@
       </p:grpSpPr>
       <p:sp>
         <p:nvSpPr>
-          <p:cNvPr id="237" name="슬라이드 구분점 텍스트"/>
+          <p:cNvPr id="251" name="후잉 가계부(https://whooing.com/#main/insert)"/>
           <p:cNvSpPr txBox="1"/>
           <p:nvPr>
             <p:ph type="body" idx="1"/>
@@ -8481,8 +10721,8 @@
         </p:nvSpPr>
         <p:spPr>
           <a:xfrm>
-            <a:off x="2082800" y="3238708"/>
-            <a:ext cx="20207127" cy="8746014"/>
+            <a:off x="741785" y="3238708"/>
+            <a:ext cx="22850242" cy="8746014"/>
           </a:xfrm>
           <a:prstGeom prst="rect">
             <a:avLst/>
@@ -8497,18 +10737,34 @@
                 <a:blip r:embed="rId2"/>
               </a:buBlip>
             </a:pPr>
-          </a:p>
-        </p:txBody>
-      </p:sp>
-      <p:sp>
-        <p:nvSpPr>
-          <p:cNvPr id="238" name="프로젝트 개요 - 기능 구조"/>
+            <a:r>
+              <a:t>후잉 가계부(</a:t>
+            </a:r>
+            <a:r>
+              <a:rPr u="sng">
+                <a:hlinkClick r:id="rId3" invalidUrl="" action="" tgtFrame="" tooltip="" history="1" highlightClick="0" endSnd="0"/>
+              </a:rPr>
+              <a:t>https://whooing.com/#main/insert</a:t>
+            </a:r>
+            <a:r>
+              <a:t>)</a:t>
+            </a:r>
+          </a:p>
+        </p:txBody>
+      </p:sp>
+      <p:sp>
+        <p:nvSpPr>
+          <p:cNvPr id="252" name="프로젝트 개요 - 벤치 마킹 사이트"/>
           <p:cNvSpPr txBox="1"/>
           <p:nvPr>
             <p:ph type="title"/>
           </p:nvPr>
         </p:nvSpPr>
         <p:spPr>
+          <a:xfrm>
+            <a:off x="741785" y="1289799"/>
+            <a:ext cx="20207128" cy="1649711"/>
+          </a:xfrm>
           <a:prstGeom prst="rect">
             <a:avLst/>
           </a:prstGeom>
@@ -8525,17 +10781,725 @@
             </a:r>
             <a:r>
               <a:rPr spc="207" sz="6930"/>
-              <a:t>- 기능 구조</a:t>
-            </a:r>
-          </a:p>
-        </p:txBody>
-      </p:sp>
+              <a:t>- 벤치 마킹 사이트</a:t>
+            </a:r>
+          </a:p>
+        </p:txBody>
+      </p:sp>
+      <p:pic>
+        <p:nvPicPr>
+          <p:cNvPr id="253" name="스크린샷 2024-10-12 오전 1.00.17.png" descr="스크린샷 2024-10-12 오전 1.00.17.png"/>
+          <p:cNvPicPr>
+            <a:picLocks noChangeAspect="0"/>
+          </p:cNvPicPr>
+          <p:nvPr/>
+        </p:nvPicPr>
+        <p:blipFill>
+          <a:blip r:embed="rId4">
+            <a:extLst/>
+          </a:blip>
+          <a:stretch>
+            <a:fillRect/>
+          </a:stretch>
+        </p:blipFill>
+        <p:spPr>
+          <a:xfrm>
+            <a:off x="698785" y="4425527"/>
+            <a:ext cx="16445554" cy="8016357"/>
+          </a:xfrm>
+          <a:prstGeom prst="rect">
+            <a:avLst/>
+          </a:prstGeom>
+          <a:ln w="12700">
+            <a:miter lim="400000"/>
+          </a:ln>
+        </p:spPr>
+      </p:pic>
+      <p:sp>
+        <p:nvSpPr>
+          <p:cNvPr id="254" name="로그인, 회원가입(필수)"/>
+          <p:cNvSpPr txBox="1"/>
+          <p:nvPr/>
+        </p:nvSpPr>
+        <p:spPr>
+          <a:xfrm>
+            <a:off x="17382543" y="7104648"/>
+            <a:ext cx="7187184" cy="1014134"/>
+          </a:xfrm>
+          <a:prstGeom prst="rect">
+            <a:avLst/>
+          </a:prstGeom>
+          <a:ln w="12700">
+            <a:miter lim="400000"/>
+          </a:ln>
+          <a:extLst>
+            <a:ext uri="{C572A759-6A51-4108-AA02-DFA0A04FC94B}">
+              <ma14:wrappingTextBoxFlag xmlns:ma14="http://schemas.microsoft.com/office/mac/drawingml/2011/main" val="1"/>
+            </a:ext>
+          </a:extLst>
+        </p:spPr>
+        <p:txBody>
+          <a:bodyPr lIns="50800" tIns="50800" rIns="50800" bIns="50800">
+            <a:normAutofit fontScale="100000" lnSpcReduction="0"/>
+          </a:bodyPr>
+          <a:lstStyle/>
+          <a:p>
+            <a:pPr/>
+            <a:r>
+              <a:t>로그인, 회원가입(필수)</a:t>
+            </a:r>
+          </a:p>
+        </p:txBody>
+      </p:sp>
+      <p:pic>
+        <p:nvPicPr>
+          <p:cNvPr id="255" name="스크린샷 2024-10-12 오전 12.56.07.png" descr="스크린샷 2024-10-12 오전 12.56.07.png"/>
+          <p:cNvPicPr>
+            <a:picLocks noChangeAspect="0"/>
+          </p:cNvPicPr>
+          <p:nvPr/>
+        </p:nvPicPr>
+        <p:blipFill>
+          <a:blip r:embed="rId5">
+            <a:extLst/>
+          </a:blip>
+          <a:stretch>
+            <a:fillRect/>
+          </a:stretch>
+        </p:blipFill>
+        <p:spPr>
+          <a:xfrm>
+            <a:off x="2273337" y="3035262"/>
+            <a:ext cx="10624754" cy="9152906"/>
+          </a:xfrm>
+          <a:prstGeom prst="rect">
+            <a:avLst/>
+          </a:prstGeom>
+          <a:ln w="12700">
+            <a:miter lim="400000"/>
+          </a:ln>
+        </p:spPr>
+      </p:pic>
+      <p:sp>
+        <p:nvSpPr>
+          <p:cNvPr id="256" name="유료서비스…"/>
+          <p:cNvSpPr txBox="1"/>
+          <p:nvPr/>
+        </p:nvSpPr>
+        <p:spPr>
+          <a:xfrm>
+            <a:off x="14371366" y="5679476"/>
+            <a:ext cx="7187184" cy="5123701"/>
+          </a:xfrm>
+          <a:prstGeom prst="rect">
+            <a:avLst/>
+          </a:prstGeom>
+          <a:ln w="12700">
+            <a:miter lim="400000"/>
+          </a:ln>
+          <a:extLst>
+            <a:ext uri="{C572A759-6A51-4108-AA02-DFA0A04FC94B}">
+              <ma14:wrappingTextBoxFlag xmlns:ma14="http://schemas.microsoft.com/office/mac/drawingml/2011/main" val="1"/>
+            </a:ext>
+          </a:extLst>
+        </p:spPr>
+        <p:txBody>
+          <a:bodyPr lIns="50800" tIns="50800" rIns="50800" bIns="50800">
+            <a:normAutofit fontScale="100000" lnSpcReduction="0"/>
+          </a:bodyPr>
+          <a:lstStyle/>
+          <a:p>
+            <a:pPr marL="755952" indent="-755952">
+              <a:buSzPct val="100000"/>
+              <a:buBlip>
+                <a:blip r:embed="rId6"/>
+              </a:buBlip>
+            </a:pPr>
+            <a:r>
+              <a:t>유료서비스</a:t>
+            </a:r>
+          </a:p>
+          <a:p>
+            <a:pPr marL="755952" indent="-755952">
+              <a:buSzPct val="100000"/>
+              <a:buBlip>
+                <a:blip r:embed="rId6"/>
+              </a:buBlip>
+            </a:pPr>
+            <a:r>
+              <a:t>복식부기?</a:t>
+            </a:r>
+          </a:p>
+          <a:p>
+            <a:pPr marL="755952" indent="-755952">
+              <a:buSzPct val="100000"/>
+              <a:buBlip>
+                <a:blip r:embed="rId6"/>
+              </a:buBlip>
+            </a:pPr>
+            <a:r>
+              <a:t>사용법?</a:t>
+            </a:r>
+          </a:p>
+        </p:txBody>
+      </p:sp>
+      <p:pic>
+        <p:nvPicPr>
+          <p:cNvPr id="257" name="스크린샷 2024-10-12 오전 12.56.49.png" descr="스크린샷 2024-10-12 오전 12.56.49.png"/>
+          <p:cNvPicPr>
+            <a:picLocks noChangeAspect="1"/>
+          </p:cNvPicPr>
+          <p:nvPr/>
+        </p:nvPicPr>
+        <p:blipFill>
+          <a:blip r:embed="rId7">
+            <a:extLst/>
+          </a:blip>
+          <a:stretch>
+            <a:fillRect/>
+          </a:stretch>
+        </p:blipFill>
+        <p:spPr>
+          <a:xfrm>
+            <a:off x="1498111" y="2868265"/>
+            <a:ext cx="2679701" cy="9486901"/>
+          </a:xfrm>
+          <a:prstGeom prst="rect">
+            <a:avLst/>
+          </a:prstGeom>
+          <a:ln w="12700">
+            <a:miter lim="400000"/>
+          </a:ln>
+        </p:spPr>
+      </p:pic>
+      <p:pic>
+        <p:nvPicPr>
+          <p:cNvPr id="258" name="스크린샷 2024-10-12 오전 12.57.16.png" descr="스크린샷 2024-10-12 오전 12.57.16.png"/>
+          <p:cNvPicPr>
+            <a:picLocks noChangeAspect="0"/>
+          </p:cNvPicPr>
+          <p:nvPr/>
+        </p:nvPicPr>
+        <p:blipFill>
+          <a:blip r:embed="rId8">
+            <a:extLst/>
+          </a:blip>
+          <a:stretch>
+            <a:fillRect/>
+          </a:stretch>
+        </p:blipFill>
+        <p:spPr>
+          <a:xfrm>
+            <a:off x="4439288" y="3469970"/>
+            <a:ext cx="10747996" cy="7719531"/>
+          </a:xfrm>
+          <a:prstGeom prst="rect">
+            <a:avLst/>
+          </a:prstGeom>
+          <a:ln w="12700">
+            <a:miter lim="400000"/>
+          </a:ln>
+        </p:spPr>
+      </p:pic>
+      <p:pic>
+        <p:nvPicPr>
+          <p:cNvPr id="259" name="스크린샷 2024-10-12 오전 1.07.18.png" descr="스크린샷 2024-10-12 오전 1.07.18.png"/>
+          <p:cNvPicPr>
+            <a:picLocks noChangeAspect="0"/>
+          </p:cNvPicPr>
+          <p:nvPr/>
+        </p:nvPicPr>
+        <p:blipFill>
+          <a:blip r:embed="rId9">
+            <a:extLst/>
+          </a:blip>
+          <a:stretch>
+            <a:fillRect/>
+          </a:stretch>
+        </p:blipFill>
+        <p:spPr>
+          <a:xfrm>
+            <a:off x="15448760" y="2181365"/>
+            <a:ext cx="8075886" cy="4191752"/>
+          </a:xfrm>
+          <a:prstGeom prst="rect">
+            <a:avLst/>
+          </a:prstGeom>
+          <a:ln w="12700">
+            <a:miter lim="400000"/>
+          </a:ln>
+        </p:spPr>
+      </p:pic>
+      <p:pic>
+        <p:nvPicPr>
+          <p:cNvPr id="260" name="스크린샷 2024-10-12 오전 1.07.27.png" descr="스크린샷 2024-10-12 오전 1.07.27.png"/>
+          <p:cNvPicPr>
+            <a:picLocks noChangeAspect="0"/>
+          </p:cNvPicPr>
+          <p:nvPr/>
+        </p:nvPicPr>
+        <p:blipFill>
+          <a:blip r:embed="rId10">
+            <a:extLst/>
+          </a:blip>
+          <a:stretch>
+            <a:fillRect/>
+          </a:stretch>
+        </p:blipFill>
+        <p:spPr>
+          <a:xfrm>
+            <a:off x="16440168" y="6907572"/>
+            <a:ext cx="6093070" cy="5123701"/>
+          </a:xfrm>
+          <a:prstGeom prst="rect">
+            <a:avLst/>
+          </a:prstGeom>
+          <a:ln w="12700">
+            <a:miter lim="400000"/>
+          </a:ln>
+        </p:spPr>
+      </p:pic>
     </p:spTree>
   </p:cSld>
   <p:clrMapOvr>
     <a:masterClrMapping/>
   </p:clrMapOvr>
   <p:transition xmlns:p14="http://schemas.microsoft.com/office/powerpoint/2010/main" spd="med" advClick="1"/>
+  <p:timing>
+    <p:tnLst>
+      <p:par>
+        <p:cTn id="1" nodeType="tmRoot" restart="never" dur="indefinite" fill="hold">
+          <p:childTnLst>
+            <p:seq concurrent="1" prevAc="none" nextAc="seek">
+              <p:cTn id="2" nodeType="mainSeq" dur="indefinite" fill="hold">
+                <p:childTnLst>
+                  <p:par>
+                    <p:cTn id="3" fill="hold">
+                      <p:stCondLst>
+                        <p:cond delay="indefinite"/>
+                      </p:stCondLst>
+                      <p:childTnLst>
+                        <p:par>
+                          <p:cTn id="4" fill="hold">
+                            <p:stCondLst>
+                              <p:cond delay="0"/>
+                            </p:stCondLst>
+                            <p:childTnLst>
+                              <p:par>
+                                <p:cTn id="5" presetClass="exit" nodeType="clickEffect" presetSubtype="0" presetID="1" grpId="1" fill="hold">
+                                  <p:stCondLst>
+                                    <p:cond delay="0"/>
+                                  </p:stCondLst>
+                                  <p:iterate type="el" backwards="0">
+                                    <p:tmAbs val="0"/>
+                                  </p:iterate>
+                                  <p:childTnLst>
+                                    <p:set>
+                                      <p:cBhvr>
+                                        <p:cTn id="6" fill="hold">
+                                          <p:stCondLst>
+                                            <p:cond delay="0"/>
+                                          </p:stCondLst>
+                                        </p:cTn>
+                                        <p:tgtEl>
+                                          <p:spTgt spid="253"/>
+                                        </p:tgtEl>
+                                        <p:attrNameLst>
+                                          <p:attrName>style.visibility</p:attrName>
+                                        </p:attrNameLst>
+                                      </p:cBhvr>
+                                      <p:to>
+                                        <p:strVal val="hidden"/>
+                                      </p:to>
+                                    </p:set>
+                                  </p:childTnLst>
+                                </p:cTn>
+                              </p:par>
+                            </p:childTnLst>
+                          </p:cTn>
+                        </p:par>
+                        <p:par>
+                          <p:cTn id="7" fill="hold">
+                            <p:stCondLst>
+                              <p:cond delay="0"/>
+                            </p:stCondLst>
+                            <p:childTnLst>
+                              <p:par>
+                                <p:cTn id="8" presetClass="exit" nodeType="afterEffect" presetSubtype="0" presetID="1" grpId="2" fill="hold">
+                                  <p:stCondLst>
+                                    <p:cond delay="0"/>
+                                  </p:stCondLst>
+                                  <p:iterate type="el" backwards="0">
+                                    <p:tmAbs val="0"/>
+                                  </p:iterate>
+                                  <p:childTnLst>
+                                    <p:set>
+                                      <p:cBhvr>
+                                        <p:cTn id="9" fill="hold">
+                                          <p:stCondLst>
+                                            <p:cond delay="0"/>
+                                          </p:stCondLst>
+                                        </p:cTn>
+                                        <p:tgtEl>
+                                          <p:spTgt spid="254"/>
+                                        </p:tgtEl>
+                                        <p:attrNameLst>
+                                          <p:attrName>style.visibility</p:attrName>
+                                        </p:attrNameLst>
+                                      </p:cBhvr>
+                                      <p:to>
+                                        <p:strVal val="hidden"/>
+                                      </p:to>
+                                    </p:set>
+                                  </p:childTnLst>
+                                </p:cTn>
+                              </p:par>
+                            </p:childTnLst>
+                          </p:cTn>
+                        </p:par>
+                        <p:par>
+                          <p:cTn id="10" fill="hold">
+                            <p:stCondLst>
+                              <p:cond delay="0"/>
+                            </p:stCondLst>
+                            <p:childTnLst>
+                              <p:par>
+                                <p:cTn id="11" presetClass="entr" nodeType="afterEffect" presetSubtype="0" presetID="1" grpId="3" fill="hold">
+                                  <p:stCondLst>
+                                    <p:cond delay="0"/>
+                                  </p:stCondLst>
+                                  <p:iterate type="el" backwards="0">
+                                    <p:tmAbs val="0"/>
+                                  </p:iterate>
+                                  <p:childTnLst>
+                                    <p:set>
+                                      <p:cBhvr>
+                                        <p:cTn id="12" fill="hold"/>
+                                        <p:tgtEl>
+                                          <p:spTgt spid="255"/>
+                                        </p:tgtEl>
+                                        <p:attrNameLst>
+                                          <p:attrName>style.visibility</p:attrName>
+                                        </p:attrNameLst>
+                                      </p:cBhvr>
+                                      <p:to>
+                                        <p:strVal val="visible"/>
+                                      </p:to>
+                                    </p:set>
+                                  </p:childTnLst>
+                                </p:cTn>
+                              </p:par>
+                            </p:childTnLst>
+                          </p:cTn>
+                        </p:par>
+                      </p:childTnLst>
+                    </p:cTn>
+                  </p:par>
+                  <p:par>
+                    <p:cTn id="13" fill="hold">
+                      <p:stCondLst>
+                        <p:cond delay="indefinite"/>
+                      </p:stCondLst>
+                      <p:childTnLst>
+                        <p:par>
+                          <p:cTn id="14" fill="hold">
+                            <p:stCondLst>
+                              <p:cond delay="0"/>
+                            </p:stCondLst>
+                            <p:childTnLst>
+                              <p:par>
+                                <p:cTn id="15" presetClass="entr" nodeType="clickEffect" presetSubtype="0" presetID="1" grpId="4" fill="hold">
+                                  <p:stCondLst>
+                                    <p:cond delay="0"/>
+                                  </p:stCondLst>
+                                  <p:iterate type="el" backwards="0">
+                                    <p:tmAbs val="0"/>
+                                  </p:iterate>
+                                  <p:childTnLst>
+                                    <p:set>
+                                      <p:cBhvr>
+                                        <p:cTn id="16" fill="hold"/>
+                                        <p:tgtEl>
+                                          <p:spTgt spid="256"/>
+                                        </p:tgtEl>
+                                        <p:attrNameLst>
+                                          <p:attrName>style.visibility</p:attrName>
+                                        </p:attrNameLst>
+                                      </p:cBhvr>
+                                      <p:to>
+                                        <p:strVal val="visible"/>
+                                      </p:to>
+                                    </p:set>
+                                  </p:childTnLst>
+                                </p:cTn>
+                              </p:par>
+                            </p:childTnLst>
+                          </p:cTn>
+                        </p:par>
+                      </p:childTnLst>
+                    </p:cTn>
+                  </p:par>
+                  <p:par>
+                    <p:cTn id="17" fill="hold">
+                      <p:stCondLst>
+                        <p:cond delay="indefinite"/>
+                      </p:stCondLst>
+                      <p:childTnLst>
+                        <p:par>
+                          <p:cTn id="18" fill="hold">
+                            <p:stCondLst>
+                              <p:cond delay="0"/>
+                            </p:stCondLst>
+                            <p:childTnLst>
+                              <p:par>
+                                <p:cTn id="19" presetClass="exit" nodeType="clickEffect" presetSubtype="0" presetID="1" grpId="5" fill="hold">
+                                  <p:stCondLst>
+                                    <p:cond delay="0"/>
+                                  </p:stCondLst>
+                                  <p:iterate type="el" backwards="0">
+                                    <p:tmAbs val="0"/>
+                                  </p:iterate>
+                                  <p:childTnLst>
+                                    <p:set>
+                                      <p:cBhvr>
+                                        <p:cTn id="20" fill="hold">
+                                          <p:stCondLst>
+                                            <p:cond delay="0"/>
+                                          </p:stCondLst>
+                                        </p:cTn>
+                                        <p:tgtEl>
+                                          <p:spTgt spid="255"/>
+                                        </p:tgtEl>
+                                        <p:attrNameLst>
+                                          <p:attrName>style.visibility</p:attrName>
+                                        </p:attrNameLst>
+                                      </p:cBhvr>
+                                      <p:to>
+                                        <p:strVal val="hidden"/>
+                                      </p:to>
+                                    </p:set>
+                                  </p:childTnLst>
+                                </p:cTn>
+                              </p:par>
+                            </p:childTnLst>
+                          </p:cTn>
+                        </p:par>
+                        <p:par>
+                          <p:cTn id="21" fill="hold">
+                            <p:stCondLst>
+                              <p:cond delay="0"/>
+                            </p:stCondLst>
+                            <p:childTnLst>
+                              <p:par>
+                                <p:cTn id="22" presetClass="exit" nodeType="afterEffect" presetSubtype="0" presetID="1" grpId="6" fill="hold">
+                                  <p:stCondLst>
+                                    <p:cond delay="0"/>
+                                  </p:stCondLst>
+                                  <p:iterate type="el" backwards="0">
+                                    <p:tmAbs val="0"/>
+                                  </p:iterate>
+                                  <p:childTnLst>
+                                    <p:set>
+                                      <p:cBhvr>
+                                        <p:cTn id="23" fill="hold">
+                                          <p:stCondLst>
+                                            <p:cond delay="0"/>
+                                          </p:stCondLst>
+                                        </p:cTn>
+                                        <p:tgtEl>
+                                          <p:spTgt spid="256"/>
+                                        </p:tgtEl>
+                                        <p:attrNameLst>
+                                          <p:attrName>style.visibility</p:attrName>
+                                        </p:attrNameLst>
+                                      </p:cBhvr>
+                                      <p:to>
+                                        <p:strVal val="hidden"/>
+                                      </p:to>
+                                    </p:set>
+                                  </p:childTnLst>
+                                </p:cTn>
+                              </p:par>
+                            </p:childTnLst>
+                          </p:cTn>
+                        </p:par>
+                        <p:par>
+                          <p:cTn id="24" fill="hold">
+                            <p:stCondLst>
+                              <p:cond delay="0"/>
+                            </p:stCondLst>
+                            <p:childTnLst>
+                              <p:par>
+                                <p:cTn id="25" presetClass="entr" nodeType="afterEffect" presetSubtype="0" presetID="1" grpId="7" fill="hold">
+                                  <p:stCondLst>
+                                    <p:cond delay="0"/>
+                                  </p:stCondLst>
+                                  <p:iterate type="el" backwards="0">
+                                    <p:tmAbs val="0"/>
+                                  </p:iterate>
+                                  <p:childTnLst>
+                                    <p:set>
+                                      <p:cBhvr>
+                                        <p:cTn id="26" fill="hold"/>
+                                        <p:tgtEl>
+                                          <p:spTgt spid="257"/>
+                                        </p:tgtEl>
+                                        <p:attrNameLst>
+                                          <p:attrName>style.visibility</p:attrName>
+                                        </p:attrNameLst>
+                                      </p:cBhvr>
+                                      <p:to>
+                                        <p:strVal val="visible"/>
+                                      </p:to>
+                                    </p:set>
+                                  </p:childTnLst>
+                                </p:cTn>
+                              </p:par>
+                            </p:childTnLst>
+                          </p:cTn>
+                        </p:par>
+                        <p:par>
+                          <p:cTn id="27" fill="hold">
+                            <p:stCondLst>
+                              <p:cond delay="0"/>
+                            </p:stCondLst>
+                            <p:childTnLst>
+                              <p:par>
+                                <p:cTn id="28" presetClass="entr" nodeType="afterEffect" presetSubtype="0" presetID="1" grpId="8" fill="hold">
+                                  <p:stCondLst>
+                                    <p:cond delay="0"/>
+                                  </p:stCondLst>
+                                  <p:iterate type="el" backwards="0">
+                                    <p:tmAbs val="0"/>
+                                  </p:iterate>
+                                  <p:childTnLst>
+                                    <p:set>
+                                      <p:cBhvr>
+                                        <p:cTn id="29" fill="hold"/>
+                                        <p:tgtEl>
+                                          <p:spTgt spid="258"/>
+                                        </p:tgtEl>
+                                        <p:attrNameLst>
+                                          <p:attrName>style.visibility</p:attrName>
+                                        </p:attrNameLst>
+                                      </p:cBhvr>
+                                      <p:to>
+                                        <p:strVal val="visible"/>
+                                      </p:to>
+                                    </p:set>
+                                  </p:childTnLst>
+                                </p:cTn>
+                              </p:par>
+                            </p:childTnLst>
+                          </p:cTn>
+                        </p:par>
+                        <p:par>
+                          <p:cTn id="30" fill="hold">
+                            <p:stCondLst>
+                              <p:cond delay="0"/>
+                            </p:stCondLst>
+                            <p:childTnLst>
+                              <p:par>
+                                <p:cTn id="31" presetClass="entr" nodeType="afterEffect" presetSubtype="0" presetID="1" grpId="9" fill="hold">
+                                  <p:stCondLst>
+                                    <p:cond delay="0"/>
+                                  </p:stCondLst>
+                                  <p:iterate type="el" backwards="0">
+                                    <p:tmAbs val="0"/>
+                                  </p:iterate>
+                                  <p:childTnLst>
+                                    <p:set>
+                                      <p:cBhvr>
+                                        <p:cTn id="32" fill="hold"/>
+                                        <p:tgtEl>
+                                          <p:spTgt spid="259"/>
+                                        </p:tgtEl>
+                                        <p:attrNameLst>
+                                          <p:attrName>style.visibility</p:attrName>
+                                        </p:attrNameLst>
+                                      </p:cBhvr>
+                                      <p:to>
+                                        <p:strVal val="visible"/>
+                                      </p:to>
+                                    </p:set>
+                                  </p:childTnLst>
+                                </p:cTn>
+                              </p:par>
+                            </p:childTnLst>
+                          </p:cTn>
+                        </p:par>
+                        <p:par>
+                          <p:cTn id="33" fill="hold">
+                            <p:stCondLst>
+                              <p:cond delay="0"/>
+                            </p:stCondLst>
+                            <p:childTnLst>
+                              <p:par>
+                                <p:cTn id="34" presetClass="entr" nodeType="afterEffect" presetSubtype="0" presetID="1" grpId="10" fill="hold">
+                                  <p:stCondLst>
+                                    <p:cond delay="0"/>
+                                  </p:stCondLst>
+                                  <p:iterate type="el" backwards="0">
+                                    <p:tmAbs val="0"/>
+                                  </p:iterate>
+                                  <p:childTnLst>
+                                    <p:set>
+                                      <p:cBhvr>
+                                        <p:cTn id="35" fill="hold"/>
+                                        <p:tgtEl>
+                                          <p:spTgt spid="260"/>
+                                        </p:tgtEl>
+                                        <p:attrNameLst>
+                                          <p:attrName>style.visibility</p:attrName>
+                                        </p:attrNameLst>
+                                      </p:cBhvr>
+                                      <p:to>
+                                        <p:strVal val="visible"/>
+                                      </p:to>
+                                    </p:set>
+                                  </p:childTnLst>
+                                </p:cTn>
+                              </p:par>
+                            </p:childTnLst>
+                          </p:cTn>
+                        </p:par>
+                      </p:childTnLst>
+                    </p:cTn>
+                  </p:par>
+                </p:childTnLst>
+              </p:cTn>
+              <p:prevCondLst>
+                <p:cond evt="onPrev">
+                  <p:tgtEl>
+                    <p:sldTgt/>
+                  </p:tgtEl>
+                </p:cond>
+              </p:prevCondLst>
+              <p:nextCondLst>
+                <p:cond evt="onNext">
+                  <p:tgtEl>
+                    <p:sldTgt/>
+                  </p:tgtEl>
+                </p:cond>
+              </p:nextCondLst>
+            </p:seq>
+          </p:childTnLst>
+        </p:cTn>
+      </p:par>
+    </p:tnLst>
+    <p:bldLst>
+      <p:bldP build="whole" bldLvl="1" animBg="1" rev="0" advAuto="0" spid="253" grpId="1"/>
+      <p:bldP build="whole" bldLvl="1" animBg="1" rev="0" advAuto="0" spid="254" grpId="2"/>
+      <p:bldP build="whole" bldLvl="1" animBg="1" rev="0" advAuto="0" spid="255" grpId="5"/>
+      <p:bldP build="whole" bldLvl="1" animBg="1" rev="0" advAuto="0" spid="257" grpId="7"/>
+      <p:bldP build="whole" bldLvl="1" animBg="1" rev="0" advAuto="0" spid="259" grpId="9"/>
+      <p:bldP build="whole" bldLvl="1" animBg="1" rev="0" advAuto="0" spid="260" grpId="10"/>
+      <p:bldP build="whole" bldLvl="1" animBg="1" rev="0" advAuto="0" spid="256" grpId="4"/>
+      <p:bldP build="whole" bldLvl="1" animBg="1" rev="0" advAuto="0" spid="256" grpId="6"/>
+      <p:bldP build="whole" bldLvl="1" animBg="1" rev="0" advAuto="0" spid="258" grpId="8"/>
+      <p:bldP build="whole" bldLvl="1" animBg="1" rev="0" advAuto="0" spid="255" grpId="3"/>
+    </p:bldLst>
+  </p:timing>
 </p:sld>
 </file>
 
@@ -8558,7 +11522,7 @@
       </p:grpSpPr>
       <p:sp>
         <p:nvSpPr>
-          <p:cNvPr id="240" name="슬라이드 구분점 텍스트"/>
+          <p:cNvPr id="262" name="슬라이드 구분점 텍스트"/>
           <p:cNvSpPr txBox="1"/>
           <p:nvPr>
             <p:ph type="body" idx="1"/>
@@ -8566,8 +11530,8 @@
         </p:nvSpPr>
         <p:spPr>
           <a:xfrm>
-            <a:off x="2082800" y="3238708"/>
-            <a:ext cx="20207127" cy="8746014"/>
+            <a:off x="765833" y="3238708"/>
+            <a:ext cx="22752764" cy="8746014"/>
           </a:xfrm>
           <a:prstGeom prst="rect">
             <a:avLst/>
@@ -8587,13 +11551,17 @@
       </p:sp>
       <p:sp>
         <p:nvSpPr>
-          <p:cNvPr id="241" name="프로젝트 개요 - UI 구상"/>
+          <p:cNvPr id="263" name="프로젝트 개요 - 수행 일정"/>
           <p:cNvSpPr txBox="1"/>
           <p:nvPr>
             <p:ph type="title"/>
           </p:nvPr>
         </p:nvSpPr>
         <p:spPr>
+          <a:xfrm>
+            <a:off x="765833" y="1289799"/>
+            <a:ext cx="20207127" cy="1649711"/>
+          </a:xfrm>
           <a:prstGeom prst="rect">
             <a:avLst/>
           </a:prstGeom>
@@ -8610,7 +11578,7 @@
             </a:r>
             <a:r>
               <a:rPr spc="207" sz="6930"/>
-              <a:t>- UI 구상</a:t>
+              <a:t>- 수행 일정</a:t>
             </a:r>
           </a:p>
         </p:txBody>
